--- a/lab3/Lab 03 - 重複執行與亂數.pptx
+++ b/lab3/Lab 03 - 重複執行與亂數.pptx
@@ -5,30 +5,35 @@
     <p:sldMasterId id="2147483659" r:id="rId1"/>
   </p:sldMasterIdLst>
   <p:notesMasterIdLst>
-    <p:notesMasterId r:id="rId8"/>
+    <p:notesMasterId r:id="rId13"/>
   </p:notesMasterIdLst>
   <p:sldIdLst>
     <p:sldId id="256" r:id="rId2"/>
     <p:sldId id="257" r:id="rId3"/>
-    <p:sldId id="258" r:id="rId4"/>
-    <p:sldId id="259" r:id="rId5"/>
-    <p:sldId id="260" r:id="rId6"/>
-    <p:sldId id="261" r:id="rId7"/>
+    <p:sldId id="263" r:id="rId4"/>
+    <p:sldId id="264" r:id="rId5"/>
+    <p:sldId id="265" r:id="rId6"/>
+    <p:sldId id="266" r:id="rId7"/>
+    <p:sldId id="262" r:id="rId8"/>
+    <p:sldId id="259" r:id="rId9"/>
+    <p:sldId id="258" r:id="rId10"/>
+    <p:sldId id="260" r:id="rId11"/>
+    <p:sldId id="261" r:id="rId12"/>
   </p:sldIdLst>
   <p:sldSz cx="9144000" cy="5143500" type="screen16x9"/>
   <p:notesSz cx="6858000" cy="9144000"/>
   <p:embeddedFontLst>
     <p:embeddedFont>
-      <p:font typeface="Roboto" panose="02020500000000000000" charset="0"/>
-      <p:regular r:id="rId9"/>
-      <p:bold r:id="rId10"/>
-      <p:italic r:id="rId11"/>
-      <p:boldItalic r:id="rId12"/>
+      <p:font typeface="Roboto Slab" panose="02020500000000000000" charset="0"/>
+      <p:regular r:id="rId14"/>
+      <p:bold r:id="rId15"/>
     </p:embeddedFont>
     <p:embeddedFont>
-      <p:font typeface="Roboto Slab" panose="02020500000000000000" charset="0"/>
-      <p:regular r:id="rId13"/>
-      <p:bold r:id="rId14"/>
+      <p:font typeface="Roboto" panose="02020500000000000000" charset="0"/>
+      <p:regular r:id="rId16"/>
+      <p:bold r:id="rId17"/>
+      <p:italic r:id="rId18"/>
+      <p:boldItalic r:id="rId19"/>
     </p:embeddedFont>
   </p:embeddedFontLst>
   <p:defaultTextStyle>
@@ -401,6 +406,11 @@
         </p:txBody>
       </p:sp>
     </p:spTree>
+    <p:extLst>
+      <p:ext uri="{BB962C8B-B14F-4D97-AF65-F5344CB8AC3E}">
+        <p14:creationId xmlns:p14="http://schemas.microsoft.com/office/powerpoint/2010/main" val="2484363240"/>
+      </p:ext>
+    </p:extLst>
   </p:cSld>
   <p:clrMap bg1="lt1" tx1="dk1" bg2="dk2" tx2="lt2" accent1="accent1" accent2="accent2" accent3="accent3" accent4="accent4" accent5="accent5" accent6="accent6" hlink="hlink" folHlink="folHlink"/>
   <p:notesStyle>
@@ -592,6 +602,223 @@
         </p:txBody>
       </p:sp>
     </p:spTree>
+    <p:extLst>
+      <p:ext uri="{BB962C8B-B14F-4D97-AF65-F5344CB8AC3E}">
+        <p14:creationId xmlns:p14="http://schemas.microsoft.com/office/powerpoint/2010/main" val="1550448308"/>
+      </p:ext>
+    </p:extLst>
+  </p:cSld>
+  <p:clrMapOvr>
+    <a:masterClrMapping/>
+  </p:clrMapOvr>
+</p:notes>
+</file>
+
+<file path=ppt/notesSlides/notesSlide10.xml><?xml version="1.0" encoding="utf-8"?>
+<p:notes xmlns:a="http://schemas.openxmlformats.org/drawingml/2006/main" xmlns:r="http://schemas.openxmlformats.org/officeDocument/2006/relationships" xmlns:p="http://schemas.openxmlformats.org/presentationml/2006/main" showMasterSp="0" showMasterPhAnim="0">
+  <p:cSld>
+    <p:spTree>
+      <p:nvGrpSpPr>
+        <p:cNvPr id="1" name="Shape 85"/>
+        <p:cNvGrpSpPr/>
+        <p:nvPr/>
+      </p:nvGrpSpPr>
+      <p:grpSpPr>
+        <a:xfrm>
+          <a:off x="0" y="0"/>
+          <a:ext cx="0" cy="0"/>
+          <a:chOff x="0" y="0"/>
+          <a:chExt cx="0" cy="0"/>
+        </a:xfrm>
+      </p:grpSpPr>
+      <p:sp>
+        <p:nvSpPr>
+          <p:cNvPr id="86" name="Shape 86"/>
+          <p:cNvSpPr>
+            <a:spLocks noGrp="1" noRot="1" noChangeAspect="1"/>
+          </p:cNvSpPr>
+          <p:nvPr>
+            <p:ph type="sldImg" idx="2"/>
+          </p:nvPr>
+        </p:nvSpPr>
+        <p:spPr>
+          <a:xfrm>
+            <a:off x="381000" y="685800"/>
+            <a:ext cx="6096000" cy="3429000"/>
+          </a:xfrm>
+          <a:custGeom>
+            <a:avLst/>
+            <a:gdLst/>
+            <a:ahLst/>
+            <a:cxnLst/>
+            <a:rect l="0" t="0" r="0" b="0"/>
+            <a:pathLst>
+              <a:path w="120000" h="120000" extrusionOk="0">
+                <a:moveTo>
+                  <a:pt x="0" y="0"/>
+                </a:moveTo>
+                <a:lnTo>
+                  <a:pt x="120000" y="0"/>
+                </a:lnTo>
+                <a:lnTo>
+                  <a:pt x="120000" y="120000"/>
+                </a:lnTo>
+                <a:lnTo>
+                  <a:pt x="0" y="120000"/>
+                </a:lnTo>
+                <a:close/>
+              </a:path>
+            </a:pathLst>
+          </a:custGeom>
+        </p:spPr>
+      </p:sp>
+      <p:sp>
+        <p:nvSpPr>
+          <p:cNvPr id="87" name="Shape 87"/>
+          <p:cNvSpPr txBox="1">
+            <a:spLocks noGrp="1"/>
+          </p:cNvSpPr>
+          <p:nvPr>
+            <p:ph type="body" idx="1"/>
+          </p:nvPr>
+        </p:nvSpPr>
+        <p:spPr>
+          <a:xfrm>
+            <a:off x="685800" y="4343400"/>
+            <a:ext cx="5486400" cy="4114800"/>
+          </a:xfrm>
+          <a:prstGeom prst="rect">
+            <a:avLst/>
+          </a:prstGeom>
+        </p:spPr>
+        <p:txBody>
+          <a:bodyPr lIns="91425" tIns="91425" rIns="91425" bIns="91425" anchor="t" anchorCtr="0">
+            <a:noAutofit/>
+          </a:bodyPr>
+          <a:lstStyle/>
+          <a:p>
+            <a:pPr lvl="0">
+              <a:spcBef>
+                <a:spcPts val="0"/>
+              </a:spcBef>
+              <a:buNone/>
+            </a:pPr>
+            <a:endParaRPr/>
+          </a:p>
+        </p:txBody>
+      </p:sp>
+    </p:spTree>
+    <p:extLst>
+      <p:ext uri="{BB962C8B-B14F-4D97-AF65-F5344CB8AC3E}">
+        <p14:creationId xmlns:p14="http://schemas.microsoft.com/office/powerpoint/2010/main" val="400022913"/>
+      </p:ext>
+    </p:extLst>
+  </p:cSld>
+  <p:clrMapOvr>
+    <a:masterClrMapping/>
+  </p:clrMapOvr>
+</p:notes>
+</file>
+
+<file path=ppt/notesSlides/notesSlide11.xml><?xml version="1.0" encoding="utf-8"?>
+<p:notes xmlns:a="http://schemas.openxmlformats.org/drawingml/2006/main" xmlns:r="http://schemas.openxmlformats.org/officeDocument/2006/relationships" xmlns:p="http://schemas.openxmlformats.org/presentationml/2006/main" showMasterSp="0" showMasterPhAnim="0">
+  <p:cSld>
+    <p:spTree>
+      <p:nvGrpSpPr>
+        <p:cNvPr id="1" name="Shape 91"/>
+        <p:cNvGrpSpPr/>
+        <p:nvPr/>
+      </p:nvGrpSpPr>
+      <p:grpSpPr>
+        <a:xfrm>
+          <a:off x="0" y="0"/>
+          <a:ext cx="0" cy="0"/>
+          <a:chOff x="0" y="0"/>
+          <a:chExt cx="0" cy="0"/>
+        </a:xfrm>
+      </p:grpSpPr>
+      <p:sp>
+        <p:nvSpPr>
+          <p:cNvPr id="92" name="Shape 92"/>
+          <p:cNvSpPr>
+            <a:spLocks noGrp="1" noRot="1" noChangeAspect="1"/>
+          </p:cNvSpPr>
+          <p:nvPr>
+            <p:ph type="sldImg" idx="2"/>
+          </p:nvPr>
+        </p:nvSpPr>
+        <p:spPr>
+          <a:xfrm>
+            <a:off x="381000" y="685800"/>
+            <a:ext cx="6096000" cy="3429000"/>
+          </a:xfrm>
+          <a:custGeom>
+            <a:avLst/>
+            <a:gdLst/>
+            <a:ahLst/>
+            <a:cxnLst/>
+            <a:rect l="0" t="0" r="0" b="0"/>
+            <a:pathLst>
+              <a:path w="120000" h="120000" extrusionOk="0">
+                <a:moveTo>
+                  <a:pt x="0" y="0"/>
+                </a:moveTo>
+                <a:lnTo>
+                  <a:pt x="120000" y="0"/>
+                </a:lnTo>
+                <a:lnTo>
+                  <a:pt x="120000" y="120000"/>
+                </a:lnTo>
+                <a:lnTo>
+                  <a:pt x="0" y="120000"/>
+                </a:lnTo>
+                <a:close/>
+              </a:path>
+            </a:pathLst>
+          </a:custGeom>
+        </p:spPr>
+      </p:sp>
+      <p:sp>
+        <p:nvSpPr>
+          <p:cNvPr id="93" name="Shape 93"/>
+          <p:cNvSpPr txBox="1">
+            <a:spLocks noGrp="1"/>
+          </p:cNvSpPr>
+          <p:nvPr>
+            <p:ph type="body" idx="1"/>
+          </p:nvPr>
+        </p:nvSpPr>
+        <p:spPr>
+          <a:xfrm>
+            <a:off x="685800" y="4343400"/>
+            <a:ext cx="5486400" cy="4114800"/>
+          </a:xfrm>
+          <a:prstGeom prst="rect">
+            <a:avLst/>
+          </a:prstGeom>
+        </p:spPr>
+        <p:txBody>
+          <a:bodyPr lIns="91425" tIns="91425" rIns="91425" bIns="91425" anchor="t" anchorCtr="0">
+            <a:noAutofit/>
+          </a:bodyPr>
+          <a:lstStyle/>
+          <a:p>
+            <a:pPr lvl="0">
+              <a:spcBef>
+                <a:spcPts val="0"/>
+              </a:spcBef>
+              <a:buNone/>
+            </a:pPr>
+            <a:endParaRPr/>
+          </a:p>
+        </p:txBody>
+      </p:sp>
+    </p:spTree>
+    <p:extLst>
+      <p:ext uri="{BB962C8B-B14F-4D97-AF65-F5344CB8AC3E}">
+        <p14:creationId xmlns:p14="http://schemas.microsoft.com/office/powerpoint/2010/main" val="4123983079"/>
+      </p:ext>
+    </p:extLst>
   </p:cSld>
   <p:clrMapOvr>
     <a:masterClrMapping/>
@@ -693,6 +920,11 @@
         </p:txBody>
       </p:sp>
     </p:spTree>
+    <p:extLst>
+      <p:ext uri="{BB962C8B-B14F-4D97-AF65-F5344CB8AC3E}">
+        <p14:creationId xmlns:p14="http://schemas.microsoft.com/office/powerpoint/2010/main" val="1533427290"/>
+      </p:ext>
+    </p:extLst>
   </p:cSld>
   <p:clrMapOvr>
     <a:masterClrMapping/>
@@ -701,6 +933,642 @@
 </file>
 
 <file path=ppt/notesSlides/notesSlide3.xml><?xml version="1.0" encoding="utf-8"?>
+<p:notes xmlns:a="http://schemas.openxmlformats.org/drawingml/2006/main" xmlns:r="http://schemas.openxmlformats.org/officeDocument/2006/relationships" xmlns:p="http://schemas.openxmlformats.org/presentationml/2006/main" showMasterSp="0" showMasterPhAnim="0">
+  <p:cSld>
+    <p:spTree>
+      <p:nvGrpSpPr>
+        <p:cNvPr id="1" name="Shape 67"/>
+        <p:cNvGrpSpPr/>
+        <p:nvPr/>
+      </p:nvGrpSpPr>
+      <p:grpSpPr>
+        <a:xfrm>
+          <a:off x="0" y="0"/>
+          <a:ext cx="0" cy="0"/>
+          <a:chOff x="0" y="0"/>
+          <a:chExt cx="0" cy="0"/>
+        </a:xfrm>
+      </p:grpSpPr>
+      <p:sp>
+        <p:nvSpPr>
+          <p:cNvPr id="68" name="Shape 68"/>
+          <p:cNvSpPr>
+            <a:spLocks noGrp="1" noRot="1" noChangeAspect="1"/>
+          </p:cNvSpPr>
+          <p:nvPr>
+            <p:ph type="sldImg" idx="2"/>
+          </p:nvPr>
+        </p:nvSpPr>
+        <p:spPr>
+          <a:xfrm>
+            <a:off x="381000" y="685800"/>
+            <a:ext cx="6096000" cy="3429000"/>
+          </a:xfrm>
+          <a:custGeom>
+            <a:avLst/>
+            <a:gdLst/>
+            <a:ahLst/>
+            <a:cxnLst/>
+            <a:rect l="0" t="0" r="0" b="0"/>
+            <a:pathLst>
+              <a:path w="120000" h="120000" extrusionOk="0">
+                <a:moveTo>
+                  <a:pt x="0" y="0"/>
+                </a:moveTo>
+                <a:lnTo>
+                  <a:pt x="120000" y="0"/>
+                </a:lnTo>
+                <a:lnTo>
+                  <a:pt x="120000" y="120000"/>
+                </a:lnTo>
+                <a:lnTo>
+                  <a:pt x="0" y="120000"/>
+                </a:lnTo>
+                <a:close/>
+              </a:path>
+            </a:pathLst>
+          </a:custGeom>
+        </p:spPr>
+      </p:sp>
+      <p:sp>
+        <p:nvSpPr>
+          <p:cNvPr id="69" name="Shape 69"/>
+          <p:cNvSpPr txBox="1">
+            <a:spLocks noGrp="1"/>
+          </p:cNvSpPr>
+          <p:nvPr>
+            <p:ph type="body" idx="1"/>
+          </p:nvPr>
+        </p:nvSpPr>
+        <p:spPr>
+          <a:xfrm>
+            <a:off x="685800" y="4343400"/>
+            <a:ext cx="5486400" cy="4114800"/>
+          </a:xfrm>
+          <a:prstGeom prst="rect">
+            <a:avLst/>
+          </a:prstGeom>
+        </p:spPr>
+        <p:txBody>
+          <a:bodyPr lIns="91425" tIns="91425" rIns="91425" bIns="91425" anchor="t" anchorCtr="0">
+            <a:noAutofit/>
+          </a:bodyPr>
+          <a:lstStyle/>
+          <a:p>
+            <a:pPr lvl="0">
+              <a:spcBef>
+                <a:spcPts val="0"/>
+              </a:spcBef>
+              <a:buNone/>
+            </a:pPr>
+            <a:endParaRPr/>
+          </a:p>
+        </p:txBody>
+      </p:sp>
+    </p:spTree>
+    <p:extLst>
+      <p:ext uri="{BB962C8B-B14F-4D97-AF65-F5344CB8AC3E}">
+        <p14:creationId xmlns:p14="http://schemas.microsoft.com/office/powerpoint/2010/main" val="4215584376"/>
+      </p:ext>
+    </p:extLst>
+  </p:cSld>
+  <p:clrMapOvr>
+    <a:masterClrMapping/>
+  </p:clrMapOvr>
+</p:notes>
+</file>
+
+<file path=ppt/notesSlides/notesSlide4.xml><?xml version="1.0" encoding="utf-8"?>
+<p:notes xmlns:a="http://schemas.openxmlformats.org/drawingml/2006/main" xmlns:r="http://schemas.openxmlformats.org/officeDocument/2006/relationships" xmlns:p="http://schemas.openxmlformats.org/presentationml/2006/main" showMasterSp="0" showMasterPhAnim="0">
+  <p:cSld>
+    <p:spTree>
+      <p:nvGrpSpPr>
+        <p:cNvPr id="1" name="Shape 67"/>
+        <p:cNvGrpSpPr/>
+        <p:nvPr/>
+      </p:nvGrpSpPr>
+      <p:grpSpPr>
+        <a:xfrm>
+          <a:off x="0" y="0"/>
+          <a:ext cx="0" cy="0"/>
+          <a:chOff x="0" y="0"/>
+          <a:chExt cx="0" cy="0"/>
+        </a:xfrm>
+      </p:grpSpPr>
+      <p:sp>
+        <p:nvSpPr>
+          <p:cNvPr id="68" name="Shape 68"/>
+          <p:cNvSpPr>
+            <a:spLocks noGrp="1" noRot="1" noChangeAspect="1"/>
+          </p:cNvSpPr>
+          <p:nvPr>
+            <p:ph type="sldImg" idx="2"/>
+          </p:nvPr>
+        </p:nvSpPr>
+        <p:spPr>
+          <a:xfrm>
+            <a:off x="381000" y="685800"/>
+            <a:ext cx="6096000" cy="3429000"/>
+          </a:xfrm>
+          <a:custGeom>
+            <a:avLst/>
+            <a:gdLst/>
+            <a:ahLst/>
+            <a:cxnLst/>
+            <a:rect l="0" t="0" r="0" b="0"/>
+            <a:pathLst>
+              <a:path w="120000" h="120000" extrusionOk="0">
+                <a:moveTo>
+                  <a:pt x="0" y="0"/>
+                </a:moveTo>
+                <a:lnTo>
+                  <a:pt x="120000" y="0"/>
+                </a:lnTo>
+                <a:lnTo>
+                  <a:pt x="120000" y="120000"/>
+                </a:lnTo>
+                <a:lnTo>
+                  <a:pt x="0" y="120000"/>
+                </a:lnTo>
+                <a:close/>
+              </a:path>
+            </a:pathLst>
+          </a:custGeom>
+        </p:spPr>
+      </p:sp>
+      <p:sp>
+        <p:nvSpPr>
+          <p:cNvPr id="69" name="Shape 69"/>
+          <p:cNvSpPr txBox="1">
+            <a:spLocks noGrp="1"/>
+          </p:cNvSpPr>
+          <p:nvPr>
+            <p:ph type="body" idx="1"/>
+          </p:nvPr>
+        </p:nvSpPr>
+        <p:spPr>
+          <a:xfrm>
+            <a:off x="685800" y="4343400"/>
+            <a:ext cx="5486400" cy="4114800"/>
+          </a:xfrm>
+          <a:prstGeom prst="rect">
+            <a:avLst/>
+          </a:prstGeom>
+        </p:spPr>
+        <p:txBody>
+          <a:bodyPr lIns="91425" tIns="91425" rIns="91425" bIns="91425" anchor="t" anchorCtr="0">
+            <a:noAutofit/>
+          </a:bodyPr>
+          <a:lstStyle/>
+          <a:p>
+            <a:pPr lvl="0">
+              <a:spcBef>
+                <a:spcPts val="0"/>
+              </a:spcBef>
+              <a:buNone/>
+            </a:pPr>
+            <a:endParaRPr/>
+          </a:p>
+        </p:txBody>
+      </p:sp>
+    </p:spTree>
+    <p:extLst>
+      <p:ext uri="{BB962C8B-B14F-4D97-AF65-F5344CB8AC3E}">
+        <p14:creationId xmlns:p14="http://schemas.microsoft.com/office/powerpoint/2010/main" val="2585343581"/>
+      </p:ext>
+    </p:extLst>
+  </p:cSld>
+  <p:clrMapOvr>
+    <a:masterClrMapping/>
+  </p:clrMapOvr>
+</p:notes>
+</file>
+
+<file path=ppt/notesSlides/notesSlide5.xml><?xml version="1.0" encoding="utf-8"?>
+<p:notes xmlns:a="http://schemas.openxmlformats.org/drawingml/2006/main" xmlns:r="http://schemas.openxmlformats.org/officeDocument/2006/relationships" xmlns:p="http://schemas.openxmlformats.org/presentationml/2006/main" showMasterSp="0" showMasterPhAnim="0">
+  <p:cSld>
+    <p:spTree>
+      <p:nvGrpSpPr>
+        <p:cNvPr id="1" name="Shape 67"/>
+        <p:cNvGrpSpPr/>
+        <p:nvPr/>
+      </p:nvGrpSpPr>
+      <p:grpSpPr>
+        <a:xfrm>
+          <a:off x="0" y="0"/>
+          <a:ext cx="0" cy="0"/>
+          <a:chOff x="0" y="0"/>
+          <a:chExt cx="0" cy="0"/>
+        </a:xfrm>
+      </p:grpSpPr>
+      <p:sp>
+        <p:nvSpPr>
+          <p:cNvPr id="68" name="Shape 68"/>
+          <p:cNvSpPr>
+            <a:spLocks noGrp="1" noRot="1" noChangeAspect="1"/>
+          </p:cNvSpPr>
+          <p:nvPr>
+            <p:ph type="sldImg" idx="2"/>
+          </p:nvPr>
+        </p:nvSpPr>
+        <p:spPr>
+          <a:xfrm>
+            <a:off x="381000" y="685800"/>
+            <a:ext cx="6096000" cy="3429000"/>
+          </a:xfrm>
+          <a:custGeom>
+            <a:avLst/>
+            <a:gdLst/>
+            <a:ahLst/>
+            <a:cxnLst/>
+            <a:rect l="0" t="0" r="0" b="0"/>
+            <a:pathLst>
+              <a:path w="120000" h="120000" extrusionOk="0">
+                <a:moveTo>
+                  <a:pt x="0" y="0"/>
+                </a:moveTo>
+                <a:lnTo>
+                  <a:pt x="120000" y="0"/>
+                </a:lnTo>
+                <a:lnTo>
+                  <a:pt x="120000" y="120000"/>
+                </a:lnTo>
+                <a:lnTo>
+                  <a:pt x="0" y="120000"/>
+                </a:lnTo>
+                <a:close/>
+              </a:path>
+            </a:pathLst>
+          </a:custGeom>
+        </p:spPr>
+      </p:sp>
+      <p:sp>
+        <p:nvSpPr>
+          <p:cNvPr id="69" name="Shape 69"/>
+          <p:cNvSpPr txBox="1">
+            <a:spLocks noGrp="1"/>
+          </p:cNvSpPr>
+          <p:nvPr>
+            <p:ph type="body" idx="1"/>
+          </p:nvPr>
+        </p:nvSpPr>
+        <p:spPr>
+          <a:xfrm>
+            <a:off x="685800" y="4343400"/>
+            <a:ext cx="5486400" cy="4114800"/>
+          </a:xfrm>
+          <a:prstGeom prst="rect">
+            <a:avLst/>
+          </a:prstGeom>
+        </p:spPr>
+        <p:txBody>
+          <a:bodyPr lIns="91425" tIns="91425" rIns="91425" bIns="91425" anchor="t" anchorCtr="0">
+            <a:noAutofit/>
+          </a:bodyPr>
+          <a:lstStyle/>
+          <a:p>
+            <a:pPr lvl="0">
+              <a:spcBef>
+                <a:spcPts val="0"/>
+              </a:spcBef>
+              <a:buNone/>
+            </a:pPr>
+            <a:endParaRPr/>
+          </a:p>
+        </p:txBody>
+      </p:sp>
+    </p:spTree>
+    <p:extLst>
+      <p:ext uri="{BB962C8B-B14F-4D97-AF65-F5344CB8AC3E}">
+        <p14:creationId xmlns:p14="http://schemas.microsoft.com/office/powerpoint/2010/main" val="1394323560"/>
+      </p:ext>
+    </p:extLst>
+  </p:cSld>
+  <p:clrMapOvr>
+    <a:masterClrMapping/>
+  </p:clrMapOvr>
+</p:notes>
+</file>
+
+<file path=ppt/notesSlides/notesSlide6.xml><?xml version="1.0" encoding="utf-8"?>
+<p:notes xmlns:a="http://schemas.openxmlformats.org/drawingml/2006/main" xmlns:r="http://schemas.openxmlformats.org/officeDocument/2006/relationships" xmlns:p="http://schemas.openxmlformats.org/presentationml/2006/main" showMasterSp="0" showMasterPhAnim="0">
+  <p:cSld>
+    <p:spTree>
+      <p:nvGrpSpPr>
+        <p:cNvPr id="1" name="Shape 67"/>
+        <p:cNvGrpSpPr/>
+        <p:nvPr/>
+      </p:nvGrpSpPr>
+      <p:grpSpPr>
+        <a:xfrm>
+          <a:off x="0" y="0"/>
+          <a:ext cx="0" cy="0"/>
+          <a:chOff x="0" y="0"/>
+          <a:chExt cx="0" cy="0"/>
+        </a:xfrm>
+      </p:grpSpPr>
+      <p:sp>
+        <p:nvSpPr>
+          <p:cNvPr id="68" name="Shape 68"/>
+          <p:cNvSpPr>
+            <a:spLocks noGrp="1" noRot="1" noChangeAspect="1"/>
+          </p:cNvSpPr>
+          <p:nvPr>
+            <p:ph type="sldImg" idx="2"/>
+          </p:nvPr>
+        </p:nvSpPr>
+        <p:spPr>
+          <a:xfrm>
+            <a:off x="381000" y="685800"/>
+            <a:ext cx="6096000" cy="3429000"/>
+          </a:xfrm>
+          <a:custGeom>
+            <a:avLst/>
+            <a:gdLst/>
+            <a:ahLst/>
+            <a:cxnLst/>
+            <a:rect l="0" t="0" r="0" b="0"/>
+            <a:pathLst>
+              <a:path w="120000" h="120000" extrusionOk="0">
+                <a:moveTo>
+                  <a:pt x="0" y="0"/>
+                </a:moveTo>
+                <a:lnTo>
+                  <a:pt x="120000" y="0"/>
+                </a:lnTo>
+                <a:lnTo>
+                  <a:pt x="120000" y="120000"/>
+                </a:lnTo>
+                <a:lnTo>
+                  <a:pt x="0" y="120000"/>
+                </a:lnTo>
+                <a:close/>
+              </a:path>
+            </a:pathLst>
+          </a:custGeom>
+        </p:spPr>
+      </p:sp>
+      <p:sp>
+        <p:nvSpPr>
+          <p:cNvPr id="69" name="Shape 69"/>
+          <p:cNvSpPr txBox="1">
+            <a:spLocks noGrp="1"/>
+          </p:cNvSpPr>
+          <p:nvPr>
+            <p:ph type="body" idx="1"/>
+          </p:nvPr>
+        </p:nvSpPr>
+        <p:spPr>
+          <a:xfrm>
+            <a:off x="685800" y="4343400"/>
+            <a:ext cx="5486400" cy="4114800"/>
+          </a:xfrm>
+          <a:prstGeom prst="rect">
+            <a:avLst/>
+          </a:prstGeom>
+        </p:spPr>
+        <p:txBody>
+          <a:bodyPr lIns="91425" tIns="91425" rIns="91425" bIns="91425" anchor="t" anchorCtr="0">
+            <a:noAutofit/>
+          </a:bodyPr>
+          <a:lstStyle/>
+          <a:p>
+            <a:pPr lvl="0">
+              <a:spcBef>
+                <a:spcPts val="0"/>
+              </a:spcBef>
+              <a:buNone/>
+            </a:pPr>
+            <a:endParaRPr/>
+          </a:p>
+        </p:txBody>
+      </p:sp>
+    </p:spTree>
+    <p:extLst>
+      <p:ext uri="{BB962C8B-B14F-4D97-AF65-F5344CB8AC3E}">
+        <p14:creationId xmlns:p14="http://schemas.microsoft.com/office/powerpoint/2010/main" val="1873411208"/>
+      </p:ext>
+    </p:extLst>
+  </p:cSld>
+  <p:clrMapOvr>
+    <a:masterClrMapping/>
+  </p:clrMapOvr>
+</p:notes>
+</file>
+
+<file path=ppt/notesSlides/notesSlide7.xml><?xml version="1.0" encoding="utf-8"?>
+<p:notes xmlns:a="http://schemas.openxmlformats.org/drawingml/2006/main" xmlns:r="http://schemas.openxmlformats.org/officeDocument/2006/relationships" xmlns:p="http://schemas.openxmlformats.org/presentationml/2006/main" showMasterSp="0" showMasterPhAnim="0">
+  <p:cSld>
+    <p:spTree>
+      <p:nvGrpSpPr>
+        <p:cNvPr id="1" name="Shape 67"/>
+        <p:cNvGrpSpPr/>
+        <p:nvPr/>
+      </p:nvGrpSpPr>
+      <p:grpSpPr>
+        <a:xfrm>
+          <a:off x="0" y="0"/>
+          <a:ext cx="0" cy="0"/>
+          <a:chOff x="0" y="0"/>
+          <a:chExt cx="0" cy="0"/>
+        </a:xfrm>
+      </p:grpSpPr>
+      <p:sp>
+        <p:nvSpPr>
+          <p:cNvPr id="68" name="Shape 68"/>
+          <p:cNvSpPr>
+            <a:spLocks noGrp="1" noRot="1" noChangeAspect="1"/>
+          </p:cNvSpPr>
+          <p:nvPr>
+            <p:ph type="sldImg" idx="2"/>
+          </p:nvPr>
+        </p:nvSpPr>
+        <p:spPr>
+          <a:xfrm>
+            <a:off x="381000" y="685800"/>
+            <a:ext cx="6096000" cy="3429000"/>
+          </a:xfrm>
+          <a:custGeom>
+            <a:avLst/>
+            <a:gdLst/>
+            <a:ahLst/>
+            <a:cxnLst/>
+            <a:rect l="0" t="0" r="0" b="0"/>
+            <a:pathLst>
+              <a:path w="120000" h="120000" extrusionOk="0">
+                <a:moveTo>
+                  <a:pt x="0" y="0"/>
+                </a:moveTo>
+                <a:lnTo>
+                  <a:pt x="120000" y="0"/>
+                </a:lnTo>
+                <a:lnTo>
+                  <a:pt x="120000" y="120000"/>
+                </a:lnTo>
+                <a:lnTo>
+                  <a:pt x="0" y="120000"/>
+                </a:lnTo>
+                <a:close/>
+              </a:path>
+            </a:pathLst>
+          </a:custGeom>
+        </p:spPr>
+      </p:sp>
+      <p:sp>
+        <p:nvSpPr>
+          <p:cNvPr id="69" name="Shape 69"/>
+          <p:cNvSpPr txBox="1">
+            <a:spLocks noGrp="1"/>
+          </p:cNvSpPr>
+          <p:nvPr>
+            <p:ph type="body" idx="1"/>
+          </p:nvPr>
+        </p:nvSpPr>
+        <p:spPr>
+          <a:xfrm>
+            <a:off x="685800" y="4343400"/>
+            <a:ext cx="5486400" cy="4114800"/>
+          </a:xfrm>
+          <a:prstGeom prst="rect">
+            <a:avLst/>
+          </a:prstGeom>
+        </p:spPr>
+        <p:txBody>
+          <a:bodyPr lIns="91425" tIns="91425" rIns="91425" bIns="91425" anchor="t" anchorCtr="0">
+            <a:noAutofit/>
+          </a:bodyPr>
+          <a:lstStyle/>
+          <a:p>
+            <a:pPr lvl="0">
+              <a:spcBef>
+                <a:spcPts val="0"/>
+              </a:spcBef>
+              <a:buNone/>
+            </a:pPr>
+            <a:endParaRPr/>
+          </a:p>
+        </p:txBody>
+      </p:sp>
+    </p:spTree>
+    <p:extLst>
+      <p:ext uri="{BB962C8B-B14F-4D97-AF65-F5344CB8AC3E}">
+        <p14:creationId xmlns:p14="http://schemas.microsoft.com/office/powerpoint/2010/main" val="1768179822"/>
+      </p:ext>
+    </p:extLst>
+  </p:cSld>
+  <p:clrMapOvr>
+    <a:masterClrMapping/>
+  </p:clrMapOvr>
+</p:notes>
+</file>
+
+<file path=ppt/notesSlides/notesSlide8.xml><?xml version="1.0" encoding="utf-8"?>
+<p:notes xmlns:a="http://schemas.openxmlformats.org/drawingml/2006/main" xmlns:r="http://schemas.openxmlformats.org/officeDocument/2006/relationships" xmlns:p="http://schemas.openxmlformats.org/presentationml/2006/main" showMasterSp="0" showMasterPhAnim="0">
+  <p:cSld>
+    <p:spTree>
+      <p:nvGrpSpPr>
+        <p:cNvPr id="1" name="Shape 79"/>
+        <p:cNvGrpSpPr/>
+        <p:nvPr/>
+      </p:nvGrpSpPr>
+      <p:grpSpPr>
+        <a:xfrm>
+          <a:off x="0" y="0"/>
+          <a:ext cx="0" cy="0"/>
+          <a:chOff x="0" y="0"/>
+          <a:chExt cx="0" cy="0"/>
+        </a:xfrm>
+      </p:grpSpPr>
+      <p:sp>
+        <p:nvSpPr>
+          <p:cNvPr id="80" name="Shape 80"/>
+          <p:cNvSpPr>
+            <a:spLocks noGrp="1" noRot="1" noChangeAspect="1"/>
+          </p:cNvSpPr>
+          <p:nvPr>
+            <p:ph type="sldImg" idx="2"/>
+          </p:nvPr>
+        </p:nvSpPr>
+        <p:spPr>
+          <a:xfrm>
+            <a:off x="381000" y="685800"/>
+            <a:ext cx="6096000" cy="3429000"/>
+          </a:xfrm>
+          <a:custGeom>
+            <a:avLst/>
+            <a:gdLst/>
+            <a:ahLst/>
+            <a:cxnLst/>
+            <a:rect l="0" t="0" r="0" b="0"/>
+            <a:pathLst>
+              <a:path w="120000" h="120000" extrusionOk="0">
+                <a:moveTo>
+                  <a:pt x="0" y="0"/>
+                </a:moveTo>
+                <a:lnTo>
+                  <a:pt x="120000" y="0"/>
+                </a:lnTo>
+                <a:lnTo>
+                  <a:pt x="120000" y="120000"/>
+                </a:lnTo>
+                <a:lnTo>
+                  <a:pt x="0" y="120000"/>
+                </a:lnTo>
+                <a:close/>
+              </a:path>
+            </a:pathLst>
+          </a:custGeom>
+        </p:spPr>
+      </p:sp>
+      <p:sp>
+        <p:nvSpPr>
+          <p:cNvPr id="81" name="Shape 81"/>
+          <p:cNvSpPr txBox="1">
+            <a:spLocks noGrp="1"/>
+          </p:cNvSpPr>
+          <p:nvPr>
+            <p:ph type="body" idx="1"/>
+          </p:nvPr>
+        </p:nvSpPr>
+        <p:spPr>
+          <a:xfrm>
+            <a:off x="685800" y="4343400"/>
+            <a:ext cx="5486400" cy="4114800"/>
+          </a:xfrm>
+          <a:prstGeom prst="rect">
+            <a:avLst/>
+          </a:prstGeom>
+        </p:spPr>
+        <p:txBody>
+          <a:bodyPr lIns="91425" tIns="91425" rIns="91425" bIns="91425" anchor="t" anchorCtr="0">
+            <a:noAutofit/>
+          </a:bodyPr>
+          <a:lstStyle/>
+          <a:p>
+            <a:pPr lvl="0">
+              <a:spcBef>
+                <a:spcPts val="0"/>
+              </a:spcBef>
+              <a:buNone/>
+            </a:pPr>
+            <a:endParaRPr/>
+          </a:p>
+        </p:txBody>
+      </p:sp>
+    </p:spTree>
+    <p:extLst>
+      <p:ext uri="{BB962C8B-B14F-4D97-AF65-F5344CB8AC3E}">
+        <p14:creationId xmlns:p14="http://schemas.microsoft.com/office/powerpoint/2010/main" val="3538774397"/>
+      </p:ext>
+    </p:extLst>
+  </p:cSld>
+  <p:clrMapOvr>
+    <a:masterClrMapping/>
+  </p:clrMapOvr>
+</p:notes>
+</file>
+
+<file path=ppt/notesSlides/notesSlide9.xml><?xml version="1.0" encoding="utf-8"?>
 <p:notes xmlns:a="http://schemas.openxmlformats.org/drawingml/2006/main" xmlns:r="http://schemas.openxmlformats.org/officeDocument/2006/relationships" xmlns:p="http://schemas.openxmlformats.org/presentationml/2006/main" showMasterSp="0" showMasterPhAnim="0">
   <p:cSld>
     <p:spTree>
@@ -794,309 +1662,11 @@
         </p:txBody>
       </p:sp>
     </p:spTree>
-  </p:cSld>
-  <p:clrMapOvr>
-    <a:masterClrMapping/>
-  </p:clrMapOvr>
-</p:notes>
-</file>
-
-<file path=ppt/notesSlides/notesSlide4.xml><?xml version="1.0" encoding="utf-8"?>
-<p:notes xmlns:a="http://schemas.openxmlformats.org/drawingml/2006/main" xmlns:r="http://schemas.openxmlformats.org/officeDocument/2006/relationships" xmlns:p="http://schemas.openxmlformats.org/presentationml/2006/main" showMasterSp="0" showMasterPhAnim="0">
-  <p:cSld>
-    <p:spTree>
-      <p:nvGrpSpPr>
-        <p:cNvPr id="1" name="Shape 79"/>
-        <p:cNvGrpSpPr/>
-        <p:nvPr/>
-      </p:nvGrpSpPr>
-      <p:grpSpPr>
-        <a:xfrm>
-          <a:off x="0" y="0"/>
-          <a:ext cx="0" cy="0"/>
-          <a:chOff x="0" y="0"/>
-          <a:chExt cx="0" cy="0"/>
-        </a:xfrm>
-      </p:grpSpPr>
-      <p:sp>
-        <p:nvSpPr>
-          <p:cNvPr id="80" name="Shape 80"/>
-          <p:cNvSpPr>
-            <a:spLocks noGrp="1" noRot="1" noChangeAspect="1"/>
-          </p:cNvSpPr>
-          <p:nvPr>
-            <p:ph type="sldImg" idx="2"/>
-          </p:nvPr>
-        </p:nvSpPr>
-        <p:spPr>
-          <a:xfrm>
-            <a:off x="381000" y="685800"/>
-            <a:ext cx="6096000" cy="3429000"/>
-          </a:xfrm>
-          <a:custGeom>
-            <a:avLst/>
-            <a:gdLst/>
-            <a:ahLst/>
-            <a:cxnLst/>
-            <a:rect l="0" t="0" r="0" b="0"/>
-            <a:pathLst>
-              <a:path w="120000" h="120000" extrusionOk="0">
-                <a:moveTo>
-                  <a:pt x="0" y="0"/>
-                </a:moveTo>
-                <a:lnTo>
-                  <a:pt x="120000" y="0"/>
-                </a:lnTo>
-                <a:lnTo>
-                  <a:pt x="120000" y="120000"/>
-                </a:lnTo>
-                <a:lnTo>
-                  <a:pt x="0" y="120000"/>
-                </a:lnTo>
-                <a:close/>
-              </a:path>
-            </a:pathLst>
-          </a:custGeom>
-        </p:spPr>
-      </p:sp>
-      <p:sp>
-        <p:nvSpPr>
-          <p:cNvPr id="81" name="Shape 81"/>
-          <p:cNvSpPr txBox="1">
-            <a:spLocks noGrp="1"/>
-          </p:cNvSpPr>
-          <p:nvPr>
-            <p:ph type="body" idx="1"/>
-          </p:nvPr>
-        </p:nvSpPr>
-        <p:spPr>
-          <a:xfrm>
-            <a:off x="685800" y="4343400"/>
-            <a:ext cx="5486400" cy="4114800"/>
-          </a:xfrm>
-          <a:prstGeom prst="rect">
-            <a:avLst/>
-          </a:prstGeom>
-        </p:spPr>
-        <p:txBody>
-          <a:bodyPr lIns="91425" tIns="91425" rIns="91425" bIns="91425" anchor="t" anchorCtr="0">
-            <a:noAutofit/>
-          </a:bodyPr>
-          <a:lstStyle/>
-          <a:p>
-            <a:pPr lvl="0">
-              <a:spcBef>
-                <a:spcPts val="0"/>
-              </a:spcBef>
-              <a:buNone/>
-            </a:pPr>
-            <a:endParaRPr/>
-          </a:p>
-        </p:txBody>
-      </p:sp>
-    </p:spTree>
-  </p:cSld>
-  <p:clrMapOvr>
-    <a:masterClrMapping/>
-  </p:clrMapOvr>
-</p:notes>
-</file>
-
-<file path=ppt/notesSlides/notesSlide5.xml><?xml version="1.0" encoding="utf-8"?>
-<p:notes xmlns:a="http://schemas.openxmlformats.org/drawingml/2006/main" xmlns:r="http://schemas.openxmlformats.org/officeDocument/2006/relationships" xmlns:p="http://schemas.openxmlformats.org/presentationml/2006/main" showMasterSp="0" showMasterPhAnim="0">
-  <p:cSld>
-    <p:spTree>
-      <p:nvGrpSpPr>
-        <p:cNvPr id="1" name="Shape 85"/>
-        <p:cNvGrpSpPr/>
-        <p:nvPr/>
-      </p:nvGrpSpPr>
-      <p:grpSpPr>
-        <a:xfrm>
-          <a:off x="0" y="0"/>
-          <a:ext cx="0" cy="0"/>
-          <a:chOff x="0" y="0"/>
-          <a:chExt cx="0" cy="0"/>
-        </a:xfrm>
-      </p:grpSpPr>
-      <p:sp>
-        <p:nvSpPr>
-          <p:cNvPr id="86" name="Shape 86"/>
-          <p:cNvSpPr>
-            <a:spLocks noGrp="1" noRot="1" noChangeAspect="1"/>
-          </p:cNvSpPr>
-          <p:nvPr>
-            <p:ph type="sldImg" idx="2"/>
-          </p:nvPr>
-        </p:nvSpPr>
-        <p:spPr>
-          <a:xfrm>
-            <a:off x="381000" y="685800"/>
-            <a:ext cx="6096000" cy="3429000"/>
-          </a:xfrm>
-          <a:custGeom>
-            <a:avLst/>
-            <a:gdLst/>
-            <a:ahLst/>
-            <a:cxnLst/>
-            <a:rect l="0" t="0" r="0" b="0"/>
-            <a:pathLst>
-              <a:path w="120000" h="120000" extrusionOk="0">
-                <a:moveTo>
-                  <a:pt x="0" y="0"/>
-                </a:moveTo>
-                <a:lnTo>
-                  <a:pt x="120000" y="0"/>
-                </a:lnTo>
-                <a:lnTo>
-                  <a:pt x="120000" y="120000"/>
-                </a:lnTo>
-                <a:lnTo>
-                  <a:pt x="0" y="120000"/>
-                </a:lnTo>
-                <a:close/>
-              </a:path>
-            </a:pathLst>
-          </a:custGeom>
-        </p:spPr>
-      </p:sp>
-      <p:sp>
-        <p:nvSpPr>
-          <p:cNvPr id="87" name="Shape 87"/>
-          <p:cNvSpPr txBox="1">
-            <a:spLocks noGrp="1"/>
-          </p:cNvSpPr>
-          <p:nvPr>
-            <p:ph type="body" idx="1"/>
-          </p:nvPr>
-        </p:nvSpPr>
-        <p:spPr>
-          <a:xfrm>
-            <a:off x="685800" y="4343400"/>
-            <a:ext cx="5486400" cy="4114800"/>
-          </a:xfrm>
-          <a:prstGeom prst="rect">
-            <a:avLst/>
-          </a:prstGeom>
-        </p:spPr>
-        <p:txBody>
-          <a:bodyPr lIns="91425" tIns="91425" rIns="91425" bIns="91425" anchor="t" anchorCtr="0">
-            <a:noAutofit/>
-          </a:bodyPr>
-          <a:lstStyle/>
-          <a:p>
-            <a:pPr lvl="0">
-              <a:spcBef>
-                <a:spcPts val="0"/>
-              </a:spcBef>
-              <a:buNone/>
-            </a:pPr>
-            <a:endParaRPr/>
-          </a:p>
-        </p:txBody>
-      </p:sp>
-    </p:spTree>
-  </p:cSld>
-  <p:clrMapOvr>
-    <a:masterClrMapping/>
-  </p:clrMapOvr>
-</p:notes>
-</file>
-
-<file path=ppt/notesSlides/notesSlide6.xml><?xml version="1.0" encoding="utf-8"?>
-<p:notes xmlns:a="http://schemas.openxmlformats.org/drawingml/2006/main" xmlns:r="http://schemas.openxmlformats.org/officeDocument/2006/relationships" xmlns:p="http://schemas.openxmlformats.org/presentationml/2006/main" showMasterSp="0" showMasterPhAnim="0">
-  <p:cSld>
-    <p:spTree>
-      <p:nvGrpSpPr>
-        <p:cNvPr id="1" name="Shape 91"/>
-        <p:cNvGrpSpPr/>
-        <p:nvPr/>
-      </p:nvGrpSpPr>
-      <p:grpSpPr>
-        <a:xfrm>
-          <a:off x="0" y="0"/>
-          <a:ext cx="0" cy="0"/>
-          <a:chOff x="0" y="0"/>
-          <a:chExt cx="0" cy="0"/>
-        </a:xfrm>
-      </p:grpSpPr>
-      <p:sp>
-        <p:nvSpPr>
-          <p:cNvPr id="92" name="Shape 92"/>
-          <p:cNvSpPr>
-            <a:spLocks noGrp="1" noRot="1" noChangeAspect="1"/>
-          </p:cNvSpPr>
-          <p:nvPr>
-            <p:ph type="sldImg" idx="2"/>
-          </p:nvPr>
-        </p:nvSpPr>
-        <p:spPr>
-          <a:xfrm>
-            <a:off x="381000" y="685800"/>
-            <a:ext cx="6096000" cy="3429000"/>
-          </a:xfrm>
-          <a:custGeom>
-            <a:avLst/>
-            <a:gdLst/>
-            <a:ahLst/>
-            <a:cxnLst/>
-            <a:rect l="0" t="0" r="0" b="0"/>
-            <a:pathLst>
-              <a:path w="120000" h="120000" extrusionOk="0">
-                <a:moveTo>
-                  <a:pt x="0" y="0"/>
-                </a:moveTo>
-                <a:lnTo>
-                  <a:pt x="120000" y="0"/>
-                </a:lnTo>
-                <a:lnTo>
-                  <a:pt x="120000" y="120000"/>
-                </a:lnTo>
-                <a:lnTo>
-                  <a:pt x="0" y="120000"/>
-                </a:lnTo>
-                <a:close/>
-              </a:path>
-            </a:pathLst>
-          </a:custGeom>
-        </p:spPr>
-      </p:sp>
-      <p:sp>
-        <p:nvSpPr>
-          <p:cNvPr id="93" name="Shape 93"/>
-          <p:cNvSpPr txBox="1">
-            <a:spLocks noGrp="1"/>
-          </p:cNvSpPr>
-          <p:nvPr>
-            <p:ph type="body" idx="1"/>
-          </p:nvPr>
-        </p:nvSpPr>
-        <p:spPr>
-          <a:xfrm>
-            <a:off x="685800" y="4343400"/>
-            <a:ext cx="5486400" cy="4114800"/>
-          </a:xfrm>
-          <a:prstGeom prst="rect">
-            <a:avLst/>
-          </a:prstGeom>
-        </p:spPr>
-        <p:txBody>
-          <a:bodyPr lIns="91425" tIns="91425" rIns="91425" bIns="91425" anchor="t" anchorCtr="0">
-            <a:noAutofit/>
-          </a:bodyPr>
-          <a:lstStyle/>
-          <a:p>
-            <a:pPr lvl="0">
-              <a:spcBef>
-                <a:spcPts val="0"/>
-              </a:spcBef>
-              <a:buNone/>
-            </a:pPr>
-            <a:endParaRPr/>
-          </a:p>
-        </p:txBody>
-      </p:sp>
-    </p:spTree>
+    <p:extLst>
+      <p:ext uri="{BB962C8B-B14F-4D97-AF65-F5344CB8AC3E}">
+        <p14:creationId xmlns:p14="http://schemas.microsoft.com/office/powerpoint/2010/main" val="3979837619"/>
+      </p:ext>
+    </p:extLst>
   </p:cSld>
   <p:clrMapOvr>
     <a:masterClrMapping/>
@@ -5246,6 +5816,370 @@
   <p:clrMapOvr>
     <a:masterClrMapping/>
   </p:clrMapOvr>
+  <p:timing>
+    <p:tnLst>
+      <p:par>
+        <p:cTn id="1" dur="indefinite" restart="never" nodeType="tmRoot"/>
+      </p:par>
+    </p:tnLst>
+  </p:timing>
+</p:sld>
+</file>
+
+<file path=ppt/slides/slide10.xml><?xml version="1.0" encoding="utf-8"?>
+<p:sld xmlns:a="http://schemas.openxmlformats.org/drawingml/2006/main" xmlns:r="http://schemas.openxmlformats.org/officeDocument/2006/relationships" xmlns:p="http://schemas.openxmlformats.org/presentationml/2006/main">
+  <p:cSld>
+    <p:spTree>
+      <p:nvGrpSpPr>
+        <p:cNvPr id="1" name="Shape 88"/>
+        <p:cNvGrpSpPr/>
+        <p:nvPr/>
+      </p:nvGrpSpPr>
+      <p:grpSpPr>
+        <a:xfrm>
+          <a:off x="0" y="0"/>
+          <a:ext cx="0" cy="0"/>
+          <a:chOff x="0" y="0"/>
+          <a:chExt cx="0" cy="0"/>
+        </a:xfrm>
+      </p:grpSpPr>
+      <p:sp>
+        <p:nvSpPr>
+          <p:cNvPr id="89" name="Shape 89"/>
+          <p:cNvSpPr txBox="1">
+            <a:spLocks noGrp="1"/>
+          </p:cNvSpPr>
+          <p:nvPr>
+            <p:ph type="title"/>
+          </p:nvPr>
+        </p:nvSpPr>
+        <p:spPr>
+          <a:xfrm>
+            <a:off x="387900" y="458025"/>
+            <a:ext cx="8368200" cy="686100"/>
+          </a:xfrm>
+          <a:prstGeom prst="rect">
+            <a:avLst/>
+          </a:prstGeom>
+        </p:spPr>
+        <p:txBody>
+          <a:bodyPr lIns="91425" tIns="91425" rIns="91425" bIns="91425" anchor="b" anchorCtr="0">
+            <a:noAutofit/>
+          </a:bodyPr>
+          <a:lstStyle/>
+          <a:p>
+            <a:pPr lvl="0">
+              <a:spcBef>
+                <a:spcPts val="0"/>
+              </a:spcBef>
+              <a:buNone/>
+            </a:pPr>
+            <a:r>
+              <a:rPr lang="zh-TW"/>
+              <a:t>作業一：</a:t>
+            </a:r>
+            <a:r>
+              <a:rPr lang="zh-TW" smtClean="0"/>
+              <a:t>1</a:t>
+            </a:r>
+            <a:r>
+              <a:rPr lang="en-US" altLang="zh-TW" smtClean="0"/>
+              <a:t>8</a:t>
+            </a:r>
+            <a:r>
+              <a:rPr lang="zh-TW" smtClean="0"/>
+              <a:t> </a:t>
+            </a:r>
+            <a:r>
+              <a:rPr lang="zh-TW"/>
+              <a:t>x </a:t>
+            </a:r>
+            <a:r>
+              <a:rPr lang="zh-TW" smtClean="0"/>
+              <a:t>1</a:t>
+            </a:r>
+            <a:r>
+              <a:rPr lang="en-US" altLang="zh-TW" smtClean="0"/>
+              <a:t>8</a:t>
+            </a:r>
+            <a:r>
+              <a:rPr lang="zh-TW" smtClean="0"/>
+              <a:t>乘法表</a:t>
+            </a:r>
+            <a:endParaRPr lang="zh-TW"/>
+          </a:p>
+        </p:txBody>
+      </p:sp>
+      <p:sp>
+        <p:nvSpPr>
+          <p:cNvPr id="90" name="Shape 90"/>
+          <p:cNvSpPr txBox="1">
+            <a:spLocks noGrp="1"/>
+          </p:cNvSpPr>
+          <p:nvPr>
+            <p:ph type="body" idx="1"/>
+          </p:nvPr>
+        </p:nvSpPr>
+        <p:spPr>
+          <a:xfrm>
+            <a:off x="387900" y="1489824"/>
+            <a:ext cx="8368200" cy="3078900"/>
+          </a:xfrm>
+          <a:prstGeom prst="rect">
+            <a:avLst/>
+          </a:prstGeom>
+        </p:spPr>
+        <p:txBody>
+          <a:bodyPr lIns="91425" tIns="91425" rIns="91425" bIns="91425" anchor="t" anchorCtr="0">
+            <a:noAutofit/>
+          </a:bodyPr>
+          <a:lstStyle/>
+          <a:p>
+            <a:pPr marL="457200" lvl="0" indent="-228600" rtl="0">
+              <a:spcBef>
+                <a:spcPts val="0"/>
+              </a:spcBef>
+            </a:pPr>
+            <a:r>
+              <a:rPr lang="zh-TW" dirty="0"/>
+              <a:t>作業內容</a:t>
+            </a:r>
+          </a:p>
+          <a:p>
+            <a:pPr marL="914400" lvl="1" indent="-228600" rtl="0">
+              <a:spcBef>
+                <a:spcPts val="0"/>
+              </a:spcBef>
+            </a:pPr>
+            <a:r>
+              <a:rPr lang="zh-TW" dirty="0"/>
+              <a:t>試實作一程式，利用迴圈輸出 1</a:t>
+            </a:r>
+            <a:r>
+              <a:rPr lang="en-US" altLang="zh-TW" dirty="0"/>
+              <a:t>8</a:t>
+            </a:r>
+            <a:r>
+              <a:rPr lang="zh-TW" dirty="0"/>
+              <a:t> x 1</a:t>
+            </a:r>
+            <a:r>
+              <a:rPr lang="en-US" altLang="zh-TW"/>
+              <a:t>8</a:t>
+            </a:r>
+            <a:r>
+              <a:rPr lang="zh-TW"/>
+              <a:t> </a:t>
+            </a:r>
+            <a:r>
+              <a:rPr lang="zh-TW" dirty="0"/>
+              <a:t>乘法表</a:t>
+            </a:r>
+          </a:p>
+          <a:p>
+            <a:pPr marL="457200" lvl="0" indent="-228600" rtl="0">
+              <a:spcBef>
+                <a:spcPts val="0"/>
+              </a:spcBef>
+            </a:pPr>
+            <a:r>
+              <a:rPr lang="zh-TW" dirty="0"/>
+              <a:t>繳交內容</a:t>
+            </a:r>
+          </a:p>
+          <a:p>
+            <a:pPr marL="914400" lvl="1" indent="-228600">
+              <a:spcBef>
+                <a:spcPts val="0"/>
+              </a:spcBef>
+            </a:pPr>
+            <a:r>
+              <a:rPr lang="zh-TW" dirty="0"/>
+              <a:t>.c 檔</a:t>
+            </a:r>
+          </a:p>
+        </p:txBody>
+      </p:sp>
+    </p:spTree>
+  </p:cSld>
+  <p:clrMapOvr>
+    <a:masterClrMapping/>
+  </p:clrMapOvr>
+  <p:timing>
+    <p:tnLst>
+      <p:par>
+        <p:cTn id="1" dur="indefinite" restart="never" nodeType="tmRoot"/>
+      </p:par>
+    </p:tnLst>
+  </p:timing>
+</p:sld>
+</file>
+
+<file path=ppt/slides/slide11.xml><?xml version="1.0" encoding="utf-8"?>
+<p:sld xmlns:a="http://schemas.openxmlformats.org/drawingml/2006/main" xmlns:r="http://schemas.openxmlformats.org/officeDocument/2006/relationships" xmlns:p="http://schemas.openxmlformats.org/presentationml/2006/main">
+  <p:cSld>
+    <p:spTree>
+      <p:nvGrpSpPr>
+        <p:cNvPr id="1" name="Shape 94"/>
+        <p:cNvGrpSpPr/>
+        <p:nvPr/>
+      </p:nvGrpSpPr>
+      <p:grpSpPr>
+        <a:xfrm>
+          <a:off x="0" y="0"/>
+          <a:ext cx="0" cy="0"/>
+          <a:chOff x="0" y="0"/>
+          <a:chExt cx="0" cy="0"/>
+        </a:xfrm>
+      </p:grpSpPr>
+      <p:sp>
+        <p:nvSpPr>
+          <p:cNvPr id="95" name="Shape 95"/>
+          <p:cNvSpPr txBox="1">
+            <a:spLocks noGrp="1"/>
+          </p:cNvSpPr>
+          <p:nvPr>
+            <p:ph type="title"/>
+          </p:nvPr>
+        </p:nvSpPr>
+        <p:spPr>
+          <a:xfrm>
+            <a:off x="387900" y="458025"/>
+            <a:ext cx="8368200" cy="686100"/>
+          </a:xfrm>
+          <a:prstGeom prst="rect">
+            <a:avLst/>
+          </a:prstGeom>
+        </p:spPr>
+        <p:txBody>
+          <a:bodyPr lIns="91425" tIns="91425" rIns="91425" bIns="91425" anchor="b" anchorCtr="0">
+            <a:noAutofit/>
+          </a:bodyPr>
+          <a:lstStyle/>
+          <a:p>
+            <a:pPr lvl="0">
+              <a:spcBef>
+                <a:spcPts val="0"/>
+              </a:spcBef>
+              <a:buNone/>
+            </a:pPr>
+            <a:r>
+              <a:rPr lang="zh-TW"/>
+              <a:t>作業二：Uva 10346</a:t>
+            </a:r>
+          </a:p>
+        </p:txBody>
+      </p:sp>
+      <p:sp>
+        <p:nvSpPr>
+          <p:cNvPr id="96" name="Shape 96"/>
+          <p:cNvSpPr txBox="1">
+            <a:spLocks noGrp="1"/>
+          </p:cNvSpPr>
+          <p:nvPr>
+            <p:ph type="body" idx="1"/>
+          </p:nvPr>
+        </p:nvSpPr>
+        <p:spPr>
+          <a:xfrm>
+            <a:off x="387900" y="1489824"/>
+            <a:ext cx="8368200" cy="3078900"/>
+          </a:xfrm>
+          <a:prstGeom prst="rect">
+            <a:avLst/>
+          </a:prstGeom>
+        </p:spPr>
+        <p:txBody>
+          <a:bodyPr lIns="91425" tIns="91425" rIns="91425" bIns="91425" anchor="t" anchorCtr="0">
+            <a:noAutofit/>
+          </a:bodyPr>
+          <a:lstStyle/>
+          <a:p>
+            <a:pPr marL="457200" lvl="0" indent="-228600" rtl="0">
+              <a:spcBef>
+                <a:spcPts val="0"/>
+              </a:spcBef>
+            </a:pPr>
+            <a:r>
+              <a:rPr lang="zh-TW"/>
+              <a:t>作業內容</a:t>
+            </a:r>
+          </a:p>
+          <a:p>
+            <a:pPr marL="914400" lvl="1" indent="-228600" rtl="0">
+              <a:spcBef>
+                <a:spcPts val="0"/>
+              </a:spcBef>
+            </a:pPr>
+            <a:r>
+              <a:rPr lang="zh-TW"/>
+              <a:t>Uva 10346 AC</a:t>
+            </a:r>
+          </a:p>
+          <a:p>
+            <a:pPr marL="457200" lvl="0" indent="-228600" rtl="0">
+              <a:spcBef>
+                <a:spcPts val="0"/>
+              </a:spcBef>
+            </a:pPr>
+            <a:r>
+              <a:rPr lang="zh-TW"/>
+              <a:t>繳交內容</a:t>
+            </a:r>
+          </a:p>
+          <a:p>
+            <a:pPr marL="914400" lvl="1" indent="-228600" rtl="0">
+              <a:spcBef>
+                <a:spcPts val="0"/>
+              </a:spcBef>
+            </a:pPr>
+            <a:r>
+              <a:rPr lang="zh-TW"/>
+              <a:t>.c 檔</a:t>
+            </a:r>
+          </a:p>
+          <a:p>
+            <a:pPr marL="914400" lvl="1" indent="-228600" rtl="0">
+              <a:spcBef>
+                <a:spcPts val="0"/>
+              </a:spcBef>
+            </a:pPr>
+            <a:r>
+              <a:rPr lang="zh-TW"/>
+              <a:t>.pdf </a:t>
+            </a:r>
+            <a:r>
+              <a:rPr lang="zh-TW" smtClean="0"/>
+              <a:t>檔</a:t>
+            </a:r>
+            <a:endParaRPr lang="en-US" altLang="zh-TW" smtClean="0"/>
+          </a:p>
+          <a:p>
+            <a:pPr marL="914400" lvl="1" indent="-228600" rtl="0">
+              <a:spcBef>
+                <a:spcPts val="0"/>
+              </a:spcBef>
+            </a:pPr>
+            <a:r>
+              <a:rPr lang="en-US" altLang="zh-TW"/>
+              <a:t>	</a:t>
+            </a:r>
+            <a:r>
+              <a:rPr lang="zh-TW" smtClean="0"/>
+              <a:t>請</a:t>
+            </a:r>
+            <a:r>
+              <a:rPr lang="zh-TW"/>
+              <a:t>詳述解題思路與解題流程</a:t>
+            </a:r>
+          </a:p>
+        </p:txBody>
+      </p:sp>
+    </p:spTree>
+  </p:cSld>
+  <p:clrMapOvr>
+    <a:masterClrMapping/>
+  </p:clrMapOvr>
 </p:sld>
 </file>
 
@@ -5335,7 +6269,2152 @@
               </a:spcBef>
             </a:pPr>
             <a:r>
+              <a:rPr lang="zh-TW" dirty="0"/>
+              <a:t>實驗目的</a:t>
+            </a:r>
+          </a:p>
+          <a:p>
+            <a:pPr marL="914400" lvl="1" indent="-228600"/>
+            <a:r>
+              <a:rPr lang="zh-TW" altLang="zh-TW" dirty="0"/>
+              <a:t>瞭解 for 的意義與</a:t>
+            </a:r>
+            <a:r>
+              <a:rPr lang="zh-TW" altLang="zh-TW" dirty="0" smtClean="0"/>
+              <a:t>用法</a:t>
+            </a:r>
+            <a:endParaRPr lang="en-US" altLang="zh-TW" dirty="0" smtClean="0"/>
+          </a:p>
+          <a:p>
+            <a:pPr marL="914400" lvl="1" indent="-228600" rtl="0">
+              <a:spcBef>
+                <a:spcPts val="0"/>
+              </a:spcBef>
+            </a:pPr>
+            <a:r>
+              <a:rPr lang="zh-TW" dirty="0" smtClean="0"/>
+              <a:t>瞭解 </a:t>
+            </a:r>
+            <a:r>
+              <a:rPr lang="zh-TW" dirty="0"/>
+              <a:t>while 的意義與用法</a:t>
+            </a:r>
+          </a:p>
+          <a:p>
+            <a:pPr marL="914400" lvl="1" indent="-228600" rtl="0">
+              <a:spcBef>
+                <a:spcPts val="0"/>
+              </a:spcBef>
+            </a:pPr>
+            <a:r>
+              <a:rPr lang="zh-TW" dirty="0"/>
+              <a:t>瞭解 do while 的意思與用法</a:t>
+            </a:r>
+          </a:p>
+          <a:p>
+            <a:pPr marL="914400" lvl="1" indent="-228600" rtl="0">
+              <a:spcBef>
+                <a:spcPts val="0"/>
+              </a:spcBef>
+            </a:pPr>
+            <a:r>
+              <a:rPr lang="zh-TW" dirty="0" smtClean="0"/>
+              <a:t>瞭解 </a:t>
+            </a:r>
+            <a:r>
+              <a:rPr lang="zh-TW" dirty="0"/>
+              <a:t>break 與 continue 在迴圈中的</a:t>
+            </a:r>
+            <a:r>
+              <a:rPr lang="zh-TW" dirty="0" smtClean="0"/>
+              <a:t>意義</a:t>
+            </a:r>
+            <a:endParaRPr lang="zh-TW" dirty="0"/>
+          </a:p>
+        </p:txBody>
+      </p:sp>
+    </p:spTree>
+  </p:cSld>
+  <p:clrMapOvr>
+    <a:masterClrMapping/>
+  </p:clrMapOvr>
+  <p:timing>
+    <p:tnLst>
+      <p:par>
+        <p:cTn id="1" dur="indefinite" restart="never" nodeType="tmRoot"/>
+      </p:par>
+    </p:tnLst>
+  </p:timing>
+</p:sld>
+</file>
+
+<file path=ppt/slides/slide3.xml><?xml version="1.0" encoding="utf-8"?>
+<p:sld xmlns:a="http://schemas.openxmlformats.org/drawingml/2006/main" xmlns:r="http://schemas.openxmlformats.org/officeDocument/2006/relationships" xmlns:p="http://schemas.openxmlformats.org/presentationml/2006/main">
+  <p:cSld>
+    <p:spTree>
+      <p:nvGrpSpPr>
+        <p:cNvPr id="1" name="Shape 70"/>
+        <p:cNvGrpSpPr/>
+        <p:nvPr/>
+      </p:nvGrpSpPr>
+      <p:grpSpPr>
+        <a:xfrm>
+          <a:off x="0" y="0"/>
+          <a:ext cx="0" cy="0"/>
+          <a:chOff x="0" y="0"/>
+          <a:chExt cx="0" cy="0"/>
+        </a:xfrm>
+      </p:grpSpPr>
+      <p:sp>
+        <p:nvSpPr>
+          <p:cNvPr id="71" name="Shape 71"/>
+          <p:cNvSpPr txBox="1">
+            <a:spLocks noGrp="1"/>
+          </p:cNvSpPr>
+          <p:nvPr>
+            <p:ph type="title"/>
+          </p:nvPr>
+        </p:nvSpPr>
+        <p:spPr>
+          <a:xfrm>
+            <a:off x="387900" y="458025"/>
+            <a:ext cx="8368200" cy="686100"/>
+          </a:xfrm>
+          <a:prstGeom prst="rect">
+            <a:avLst/>
+          </a:prstGeom>
+        </p:spPr>
+        <p:txBody>
+          <a:bodyPr lIns="91425" tIns="91425" rIns="91425" bIns="91425" anchor="b" anchorCtr="0">
+            <a:noAutofit/>
+          </a:bodyPr>
+          <a:lstStyle/>
+          <a:p>
+            <a:pPr lvl="0">
+              <a:spcBef>
+                <a:spcPts val="0"/>
+              </a:spcBef>
+              <a:buNone/>
+            </a:pPr>
+            <a:r>
               <a:rPr lang="zh-TW"/>
+              <a:t>實驗一：重複</a:t>
+            </a:r>
+            <a:r>
+              <a:rPr lang="zh-TW" smtClean="0"/>
+              <a:t>執行</a:t>
+            </a:r>
+            <a:r>
+              <a:rPr lang="en-US" altLang="zh-TW" smtClean="0"/>
+              <a:t> – for  loop</a:t>
+            </a:r>
+            <a:endParaRPr lang="zh-TW"/>
+          </a:p>
+        </p:txBody>
+      </p:sp>
+      <p:sp>
+        <p:nvSpPr>
+          <p:cNvPr id="72" name="Shape 72"/>
+          <p:cNvSpPr txBox="1">
+            <a:spLocks noGrp="1"/>
+          </p:cNvSpPr>
+          <p:nvPr>
+            <p:ph type="body" idx="1"/>
+          </p:nvPr>
+        </p:nvSpPr>
+        <p:spPr>
+          <a:xfrm>
+            <a:off x="387900" y="1489824"/>
+            <a:ext cx="8368200" cy="3545472"/>
+          </a:xfrm>
+          <a:prstGeom prst="rect">
+            <a:avLst/>
+          </a:prstGeom>
+        </p:spPr>
+        <p:txBody>
+          <a:bodyPr lIns="91425" tIns="91425" rIns="91425" bIns="91425" anchor="t" anchorCtr="0">
+            <a:noAutofit/>
+          </a:bodyPr>
+          <a:lstStyle/>
+          <a:p>
+            <a:pPr marL="514350" lvl="0" indent="-285750" rtl="0">
+              <a:spcBef>
+                <a:spcPts val="0"/>
+              </a:spcBef>
+              <a:buFont typeface="Wingdings" panose="05000000000000000000" pitchFamily="2" charset="2"/>
+              <a:buChar char="Ø"/>
+            </a:pPr>
+            <a:r>
+              <a:rPr lang="zh-TW" altLang="en-US" dirty="0" smtClean="0"/>
+              <a:t>利用</a:t>
+            </a:r>
+            <a:r>
+              <a:rPr lang="zh-TW" altLang="en-US" b="1" dirty="0" smtClean="0">
+                <a:solidFill>
+                  <a:srgbClr val="FFFF00"/>
+                </a:solidFill>
+              </a:rPr>
+              <a:t>數值變數</a:t>
+            </a:r>
+            <a:r>
+              <a:rPr lang="zh-TW" altLang="en-US" dirty="0" smtClean="0"/>
+              <a:t>來限制迴圈次數</a:t>
+            </a:r>
+            <a:endParaRPr lang="en-US" altLang="zh-TW" dirty="0" smtClean="0"/>
+          </a:p>
+          <a:p>
+            <a:pPr marL="514350" lvl="0" indent="-285750" rtl="0">
+              <a:spcBef>
+                <a:spcPts val="0"/>
+              </a:spcBef>
+              <a:buFont typeface="Wingdings" panose="05000000000000000000" pitchFamily="2" charset="2"/>
+              <a:buChar char="Ø"/>
+            </a:pPr>
+            <a:r>
+              <a:rPr lang="zh-TW" altLang="en-US" dirty="0" smtClean="0"/>
+              <a:t>三個表達式參數 </a:t>
+            </a:r>
+            <a:r>
+              <a:rPr lang="en-US" altLang="zh-TW" dirty="0" smtClean="0"/>
+              <a:t>(</a:t>
+            </a:r>
+            <a:r>
+              <a:rPr lang="en-US" altLang="zh-TW" dirty="0" err="1" smtClean="0"/>
+              <a:t>init</a:t>
+            </a:r>
+            <a:r>
+              <a:rPr lang="en-US" altLang="zh-TW" dirty="0" smtClean="0"/>
+              <a:t> , </a:t>
+            </a:r>
+            <a:r>
+              <a:rPr lang="en-US" altLang="zh-TW" dirty="0" err="1" smtClean="0"/>
+              <a:t>cond</a:t>
+            </a:r>
+            <a:r>
+              <a:rPr lang="en-US" altLang="zh-TW" dirty="0" smtClean="0"/>
+              <a:t> , loop)</a:t>
+            </a:r>
+          </a:p>
+          <a:p>
+            <a:pPr marL="514350" lvl="0" indent="-285750" rtl="0">
+              <a:spcBef>
+                <a:spcPts val="0"/>
+              </a:spcBef>
+              <a:buFont typeface="Wingdings" panose="05000000000000000000" pitchFamily="2" charset="2"/>
+              <a:buChar char="Ø"/>
+            </a:pPr>
+            <a:r>
+              <a:rPr lang="en-US" altLang="zh-TW" dirty="0"/>
+              <a:t>f</a:t>
+            </a:r>
+            <a:r>
+              <a:rPr lang="en-US" altLang="zh-TW" dirty="0" smtClean="0"/>
+              <a:t>or</a:t>
+            </a:r>
+            <a:r>
+              <a:rPr lang="zh-TW" altLang="en-US" dirty="0" smtClean="0"/>
+              <a:t>迴圈內可以改變條件的變數</a:t>
+            </a:r>
+            <a:endParaRPr lang="en-US" altLang="zh-TW" dirty="0" smtClean="0"/>
+          </a:p>
+          <a:p>
+            <a:pPr marL="457200" lvl="0" indent="-228600" rtl="0">
+              <a:lnSpc>
+                <a:spcPct val="50000"/>
+              </a:lnSpc>
+              <a:spcBef>
+                <a:spcPts val="0"/>
+              </a:spcBef>
+            </a:pPr>
+            <a:r>
+              <a:rPr lang="en-US" altLang="zh-TW" dirty="0" smtClean="0"/>
+              <a:t>	</a:t>
+            </a:r>
+          </a:p>
+          <a:p>
+            <a:pPr marL="457200" lvl="0" indent="-228600" rtl="0">
+              <a:lnSpc>
+                <a:spcPct val="50000"/>
+              </a:lnSpc>
+              <a:spcBef>
+                <a:spcPts val="0"/>
+              </a:spcBef>
+            </a:pPr>
+            <a:r>
+              <a:rPr lang="en-US" altLang="zh-TW" b="1" dirty="0">
+                <a:solidFill>
+                  <a:srgbClr val="FFFF00"/>
+                </a:solidFill>
+              </a:rPr>
+              <a:t>	</a:t>
+            </a:r>
+            <a:r>
+              <a:rPr lang="en-US" altLang="zh-TW" b="1" dirty="0" smtClean="0">
+                <a:solidFill>
+                  <a:srgbClr val="FFFF00"/>
+                </a:solidFill>
+              </a:rPr>
+              <a:t>for ( </a:t>
+            </a:r>
+            <a:r>
+              <a:rPr lang="en-US" altLang="zh-TW" b="1" dirty="0" err="1" smtClean="0">
+                <a:solidFill>
+                  <a:srgbClr val="FFFF00"/>
+                </a:solidFill>
+              </a:rPr>
+              <a:t>int</a:t>
+            </a:r>
+            <a:r>
+              <a:rPr lang="en-US" altLang="zh-TW" b="1" dirty="0" smtClean="0">
+                <a:solidFill>
+                  <a:srgbClr val="FFFF00"/>
+                </a:solidFill>
+              </a:rPr>
+              <a:t>  </a:t>
+            </a:r>
+            <a:r>
+              <a:rPr lang="en-US" altLang="zh-TW" b="1" dirty="0" err="1" smtClean="0">
+                <a:solidFill>
+                  <a:srgbClr val="FFFF00"/>
+                </a:solidFill>
+              </a:rPr>
+              <a:t>i</a:t>
+            </a:r>
+            <a:r>
+              <a:rPr lang="en-US" altLang="zh-TW" b="1" dirty="0" smtClean="0">
+                <a:solidFill>
+                  <a:srgbClr val="FFFF00"/>
+                </a:solidFill>
+              </a:rPr>
+              <a:t> =  0 ;  </a:t>
+            </a:r>
+            <a:r>
+              <a:rPr lang="en-US" altLang="zh-TW" b="1" dirty="0" err="1" smtClean="0">
+                <a:solidFill>
+                  <a:srgbClr val="FFFF00"/>
+                </a:solidFill>
+              </a:rPr>
+              <a:t>i</a:t>
+            </a:r>
+            <a:r>
+              <a:rPr lang="en-US" altLang="zh-TW" b="1" dirty="0" smtClean="0">
+                <a:solidFill>
+                  <a:srgbClr val="FFFF00"/>
+                </a:solidFill>
+              </a:rPr>
+              <a:t>  &lt; 10  ;  </a:t>
+            </a:r>
+            <a:r>
+              <a:rPr lang="en-US" altLang="zh-TW" b="1" dirty="0" err="1" smtClean="0">
+                <a:solidFill>
+                  <a:srgbClr val="FFFF00"/>
+                </a:solidFill>
+              </a:rPr>
+              <a:t>i</a:t>
+            </a:r>
+            <a:r>
+              <a:rPr lang="en-US" altLang="zh-TW" b="1" dirty="0" smtClean="0">
+                <a:solidFill>
+                  <a:srgbClr val="FFFF00"/>
+                </a:solidFill>
+              </a:rPr>
+              <a:t> ++ )</a:t>
+            </a:r>
+          </a:p>
+          <a:p>
+            <a:pPr marL="457200" lvl="0" indent="-228600" rtl="0">
+              <a:lnSpc>
+                <a:spcPct val="50000"/>
+              </a:lnSpc>
+              <a:spcBef>
+                <a:spcPts val="0"/>
+              </a:spcBef>
+            </a:pPr>
+            <a:r>
+              <a:rPr lang="en-US" altLang="zh-TW" b="1" dirty="0">
+                <a:solidFill>
+                  <a:srgbClr val="FFFF00"/>
+                </a:solidFill>
+              </a:rPr>
+              <a:t>	</a:t>
+            </a:r>
+            <a:r>
+              <a:rPr lang="en-US" altLang="zh-TW" b="1" dirty="0" smtClean="0">
+                <a:solidFill>
+                  <a:srgbClr val="FFFF00"/>
+                </a:solidFill>
+              </a:rPr>
+              <a:t>{</a:t>
+            </a:r>
+            <a:r>
+              <a:rPr lang="zh-TW" altLang="en-US" b="1" dirty="0" smtClean="0">
+                <a:solidFill>
+                  <a:srgbClr val="FFFF00"/>
+                </a:solidFill>
+              </a:rPr>
+              <a:t>      </a:t>
+            </a:r>
+            <a:endParaRPr lang="en-US" altLang="zh-TW" b="1" dirty="0">
+              <a:solidFill>
+                <a:srgbClr val="FFFF00"/>
+              </a:solidFill>
+            </a:endParaRPr>
+          </a:p>
+          <a:p>
+            <a:pPr marL="457200" lvl="0" indent="-228600" rtl="0">
+              <a:lnSpc>
+                <a:spcPct val="50000"/>
+              </a:lnSpc>
+              <a:spcBef>
+                <a:spcPts val="0"/>
+              </a:spcBef>
+            </a:pPr>
+            <a:r>
+              <a:rPr lang="en-US" altLang="zh-TW" b="1" dirty="0" smtClean="0">
+                <a:solidFill>
+                  <a:srgbClr val="FFFF00"/>
+                </a:solidFill>
+              </a:rPr>
+              <a:t>		//</a:t>
+            </a:r>
+            <a:r>
+              <a:rPr lang="zh-TW" altLang="en-US" b="1" dirty="0" smtClean="0">
+                <a:solidFill>
+                  <a:srgbClr val="FFFF00"/>
+                </a:solidFill>
+              </a:rPr>
+              <a:t> </a:t>
+            </a:r>
+            <a:r>
+              <a:rPr lang="en-US" altLang="zh-TW" b="1" dirty="0" smtClean="0">
+                <a:solidFill>
+                  <a:srgbClr val="FFFF00"/>
+                </a:solidFill>
+              </a:rPr>
+              <a:t>any </a:t>
+            </a:r>
+            <a:r>
+              <a:rPr lang="en-US" altLang="zh-TW" b="1" dirty="0" smtClean="0">
+                <a:solidFill>
+                  <a:srgbClr val="FFFF00"/>
+                </a:solidFill>
+              </a:rPr>
+              <a:t>codes</a:t>
+            </a:r>
+          </a:p>
+          <a:p>
+            <a:pPr marL="457200" lvl="0" indent="-228600" rtl="0">
+              <a:lnSpc>
+                <a:spcPct val="50000"/>
+              </a:lnSpc>
+              <a:spcBef>
+                <a:spcPts val="0"/>
+              </a:spcBef>
+            </a:pPr>
+            <a:r>
+              <a:rPr lang="en-US" altLang="zh-TW" b="1" dirty="0">
+                <a:solidFill>
+                  <a:srgbClr val="FFFF00"/>
+                </a:solidFill>
+              </a:rPr>
+              <a:t>	</a:t>
+            </a:r>
+            <a:r>
+              <a:rPr lang="en-US" altLang="zh-TW" b="1" dirty="0" smtClean="0">
+                <a:solidFill>
+                  <a:srgbClr val="FFFF00"/>
+                </a:solidFill>
+              </a:rPr>
+              <a:t>}</a:t>
+            </a:r>
+            <a:endParaRPr lang="zh-TW" b="1" dirty="0" smtClean="0">
+              <a:solidFill>
+                <a:srgbClr val="FFFF00"/>
+              </a:solidFill>
+            </a:endParaRPr>
+          </a:p>
+        </p:txBody>
+      </p:sp>
+    </p:spTree>
+    <p:extLst>
+      <p:ext uri="{BB962C8B-B14F-4D97-AF65-F5344CB8AC3E}">
+        <p14:creationId xmlns:p14="http://schemas.microsoft.com/office/powerpoint/2010/main" val="2337739397"/>
+      </p:ext>
+    </p:extLst>
+  </p:cSld>
+  <p:clrMapOvr>
+    <a:masterClrMapping/>
+  </p:clrMapOvr>
+  <p:timing>
+    <p:tnLst>
+      <p:par>
+        <p:cTn id="1" dur="indefinite" restart="never" nodeType="tmRoot"/>
+      </p:par>
+    </p:tnLst>
+  </p:timing>
+</p:sld>
+</file>
+
+<file path=ppt/slides/slide4.xml><?xml version="1.0" encoding="utf-8"?>
+<p:sld xmlns:a="http://schemas.openxmlformats.org/drawingml/2006/main" xmlns:r="http://schemas.openxmlformats.org/officeDocument/2006/relationships" xmlns:p="http://schemas.openxmlformats.org/presentationml/2006/main">
+  <p:cSld>
+    <p:spTree>
+      <p:nvGrpSpPr>
+        <p:cNvPr id="1" name="Shape 70"/>
+        <p:cNvGrpSpPr/>
+        <p:nvPr/>
+      </p:nvGrpSpPr>
+      <p:grpSpPr>
+        <a:xfrm>
+          <a:off x="0" y="0"/>
+          <a:ext cx="0" cy="0"/>
+          <a:chOff x="0" y="0"/>
+          <a:chExt cx="0" cy="0"/>
+        </a:xfrm>
+      </p:grpSpPr>
+      <p:sp>
+        <p:nvSpPr>
+          <p:cNvPr id="71" name="Shape 71"/>
+          <p:cNvSpPr txBox="1">
+            <a:spLocks noGrp="1"/>
+          </p:cNvSpPr>
+          <p:nvPr>
+            <p:ph type="title"/>
+          </p:nvPr>
+        </p:nvSpPr>
+        <p:spPr>
+          <a:xfrm>
+            <a:off x="387900" y="458025"/>
+            <a:ext cx="8368200" cy="686100"/>
+          </a:xfrm>
+          <a:prstGeom prst="rect">
+            <a:avLst/>
+          </a:prstGeom>
+        </p:spPr>
+        <p:txBody>
+          <a:bodyPr lIns="91425" tIns="91425" rIns="91425" bIns="91425" anchor="b" anchorCtr="0">
+            <a:noAutofit/>
+          </a:bodyPr>
+          <a:lstStyle/>
+          <a:p>
+            <a:pPr lvl="0">
+              <a:spcBef>
+                <a:spcPts val="0"/>
+              </a:spcBef>
+              <a:buNone/>
+            </a:pPr>
+            <a:r>
+              <a:rPr lang="zh-TW"/>
+              <a:t>實驗一：重複</a:t>
+            </a:r>
+            <a:r>
+              <a:rPr lang="zh-TW" smtClean="0"/>
+              <a:t>執行</a:t>
+            </a:r>
+            <a:r>
+              <a:rPr lang="en-US" altLang="zh-TW" smtClean="0"/>
+              <a:t> – while  loop</a:t>
+            </a:r>
+            <a:endParaRPr lang="zh-TW"/>
+          </a:p>
+        </p:txBody>
+      </p:sp>
+      <p:sp>
+        <p:nvSpPr>
+          <p:cNvPr id="72" name="Shape 72"/>
+          <p:cNvSpPr txBox="1">
+            <a:spLocks noGrp="1"/>
+          </p:cNvSpPr>
+          <p:nvPr>
+            <p:ph type="body" idx="1"/>
+          </p:nvPr>
+        </p:nvSpPr>
+        <p:spPr>
+          <a:xfrm>
+            <a:off x="387900" y="1489824"/>
+            <a:ext cx="8368200" cy="3545472"/>
+          </a:xfrm>
+          <a:prstGeom prst="rect">
+            <a:avLst/>
+          </a:prstGeom>
+        </p:spPr>
+        <p:txBody>
+          <a:bodyPr lIns="91425" tIns="91425" rIns="91425" bIns="91425" anchor="t" anchorCtr="0">
+            <a:noAutofit/>
+          </a:bodyPr>
+          <a:lstStyle/>
+          <a:p>
+            <a:pPr marL="514350" lvl="0" indent="-285750" rtl="0">
+              <a:spcBef>
+                <a:spcPts val="0"/>
+              </a:spcBef>
+              <a:buFont typeface="Wingdings" panose="05000000000000000000" pitchFamily="2" charset="2"/>
+              <a:buChar char="Ø"/>
+            </a:pPr>
+            <a:r>
+              <a:rPr lang="zh-TW" altLang="en-US" dirty="0" smtClean="0"/>
+              <a:t>利用</a:t>
+            </a:r>
+            <a:r>
+              <a:rPr lang="zh-TW" altLang="en-US" b="1" dirty="0" smtClean="0">
+                <a:solidFill>
+                  <a:srgbClr val="FFFF00"/>
+                </a:solidFill>
+              </a:rPr>
+              <a:t>條件</a:t>
+            </a:r>
+            <a:r>
+              <a:rPr lang="zh-TW" altLang="en-US" b="1" dirty="0">
+                <a:solidFill>
+                  <a:srgbClr val="FFFF00"/>
+                </a:solidFill>
+              </a:rPr>
+              <a:t>式</a:t>
+            </a:r>
+            <a:r>
+              <a:rPr lang="zh-TW" altLang="en-US" dirty="0" smtClean="0"/>
+              <a:t>來限制迴圈次數 ，跟 </a:t>
+            </a:r>
+            <a:r>
+              <a:rPr lang="en-US" altLang="zh-TW" dirty="0" smtClean="0"/>
+              <a:t>if </a:t>
+            </a:r>
+            <a:r>
+              <a:rPr lang="zh-TW" altLang="en-US" dirty="0" smtClean="0"/>
+              <a:t>一樣條件運算 </a:t>
+            </a:r>
+            <a:r>
+              <a:rPr lang="en-US" altLang="zh-TW" dirty="0" smtClean="0"/>
+              <a:t>==</a:t>
+            </a:r>
+            <a:r>
+              <a:rPr lang="zh-TW" altLang="en-US" dirty="0" smtClean="0"/>
+              <a:t> </a:t>
+            </a:r>
+            <a:r>
+              <a:rPr lang="en-US" altLang="zh-TW" dirty="0" smtClean="0"/>
+              <a:t>True(</a:t>
+            </a:r>
+            <a:r>
+              <a:rPr lang="zh-TW" altLang="en-US" dirty="0" smtClean="0"/>
+              <a:t>非零</a:t>
+            </a:r>
+            <a:r>
+              <a:rPr lang="en-US" altLang="zh-TW" dirty="0" smtClean="0"/>
+              <a:t>)</a:t>
+            </a:r>
+            <a:r>
+              <a:rPr lang="zh-TW" altLang="en-US" dirty="0" smtClean="0"/>
+              <a:t> 成立</a:t>
+            </a:r>
+            <a:endParaRPr lang="en-US" altLang="zh-TW" dirty="0" smtClean="0"/>
+          </a:p>
+          <a:p>
+            <a:pPr marL="457200" lvl="0" indent="-228600" rtl="0">
+              <a:lnSpc>
+                <a:spcPct val="50000"/>
+              </a:lnSpc>
+              <a:spcBef>
+                <a:spcPts val="0"/>
+              </a:spcBef>
+            </a:pPr>
+            <a:r>
+              <a:rPr lang="en-US" altLang="zh-TW" dirty="0" smtClean="0"/>
+              <a:t>	</a:t>
+            </a:r>
+          </a:p>
+          <a:p>
+            <a:pPr marL="457200" lvl="0" indent="-228600" rtl="0">
+              <a:lnSpc>
+                <a:spcPct val="50000"/>
+              </a:lnSpc>
+              <a:spcBef>
+                <a:spcPts val="0"/>
+              </a:spcBef>
+            </a:pPr>
+            <a:r>
+              <a:rPr lang="en-US" altLang="zh-TW" b="1" dirty="0">
+                <a:solidFill>
+                  <a:srgbClr val="FFFF00"/>
+                </a:solidFill>
+              </a:rPr>
+              <a:t>	</a:t>
+            </a:r>
+            <a:r>
+              <a:rPr lang="en-US" altLang="zh-TW" b="1" dirty="0" err="1" smtClean="0">
+                <a:solidFill>
+                  <a:srgbClr val="FFFF00"/>
+                </a:solidFill>
+              </a:rPr>
+              <a:t>int</a:t>
+            </a:r>
+            <a:r>
+              <a:rPr lang="en-US" altLang="zh-TW" b="1" dirty="0" smtClean="0">
+                <a:solidFill>
+                  <a:srgbClr val="FFFF00"/>
+                </a:solidFill>
+              </a:rPr>
+              <a:t>   </a:t>
+            </a:r>
+            <a:r>
+              <a:rPr lang="en-US" altLang="zh-TW" b="1" dirty="0" err="1" smtClean="0">
+                <a:solidFill>
+                  <a:srgbClr val="FFFF00"/>
+                </a:solidFill>
+              </a:rPr>
+              <a:t>i</a:t>
+            </a:r>
+            <a:r>
+              <a:rPr lang="en-US" altLang="zh-TW" b="1" dirty="0" smtClean="0">
+                <a:solidFill>
+                  <a:srgbClr val="FFFF00"/>
+                </a:solidFill>
+              </a:rPr>
+              <a:t>  =  0;</a:t>
+            </a:r>
+          </a:p>
+          <a:p>
+            <a:pPr marL="457200" lvl="0" indent="-228600" rtl="0">
+              <a:lnSpc>
+                <a:spcPct val="50000"/>
+              </a:lnSpc>
+              <a:spcBef>
+                <a:spcPts val="0"/>
+              </a:spcBef>
+            </a:pPr>
+            <a:r>
+              <a:rPr lang="en-US" altLang="zh-TW" b="1" dirty="0">
+                <a:solidFill>
+                  <a:srgbClr val="FFFF00"/>
+                </a:solidFill>
+              </a:rPr>
+              <a:t>	</a:t>
+            </a:r>
+            <a:r>
+              <a:rPr lang="en-US" altLang="zh-TW" b="1" dirty="0" smtClean="0">
+                <a:solidFill>
+                  <a:srgbClr val="FFFF00"/>
+                </a:solidFill>
+              </a:rPr>
+              <a:t>while ( </a:t>
+            </a:r>
+            <a:r>
+              <a:rPr lang="en-US" altLang="zh-TW" b="1" dirty="0" err="1" smtClean="0">
+                <a:solidFill>
+                  <a:srgbClr val="FFFF00"/>
+                </a:solidFill>
+              </a:rPr>
+              <a:t>i</a:t>
+            </a:r>
+            <a:r>
+              <a:rPr lang="en-US" altLang="zh-TW" b="1" dirty="0" smtClean="0">
+                <a:solidFill>
+                  <a:srgbClr val="FFFF00"/>
+                </a:solidFill>
+              </a:rPr>
+              <a:t>   &lt;  10  )</a:t>
+            </a:r>
+            <a:endParaRPr lang="en-US" altLang="zh-TW" b="1" dirty="0" smtClean="0">
+              <a:solidFill>
+                <a:srgbClr val="FFFF00"/>
+              </a:solidFill>
+            </a:endParaRPr>
+          </a:p>
+          <a:p>
+            <a:pPr marL="457200" lvl="0" indent="-228600" rtl="0">
+              <a:lnSpc>
+                <a:spcPct val="50000"/>
+              </a:lnSpc>
+              <a:spcBef>
+                <a:spcPts val="0"/>
+              </a:spcBef>
+            </a:pPr>
+            <a:r>
+              <a:rPr lang="en-US" altLang="zh-TW" b="1" dirty="0">
+                <a:solidFill>
+                  <a:srgbClr val="FFFF00"/>
+                </a:solidFill>
+              </a:rPr>
+              <a:t>	</a:t>
+            </a:r>
+            <a:r>
+              <a:rPr lang="en-US" altLang="zh-TW" b="1" dirty="0" smtClean="0">
+                <a:solidFill>
+                  <a:srgbClr val="FFFF00"/>
+                </a:solidFill>
+              </a:rPr>
+              <a:t>{</a:t>
+            </a:r>
+            <a:r>
+              <a:rPr lang="zh-TW" altLang="en-US" b="1" dirty="0" smtClean="0">
+                <a:solidFill>
+                  <a:srgbClr val="FFFF00"/>
+                </a:solidFill>
+              </a:rPr>
+              <a:t>      </a:t>
+            </a:r>
+            <a:endParaRPr lang="en-US" altLang="zh-TW" b="1" dirty="0">
+              <a:solidFill>
+                <a:srgbClr val="FFFF00"/>
+              </a:solidFill>
+            </a:endParaRPr>
+          </a:p>
+          <a:p>
+            <a:pPr marL="457200" lvl="0" indent="-228600" rtl="0">
+              <a:lnSpc>
+                <a:spcPct val="50000"/>
+              </a:lnSpc>
+              <a:spcBef>
+                <a:spcPts val="0"/>
+              </a:spcBef>
+            </a:pPr>
+            <a:r>
+              <a:rPr lang="en-US" altLang="zh-TW" b="1" dirty="0" smtClean="0">
+                <a:solidFill>
+                  <a:srgbClr val="FFFF00"/>
+                </a:solidFill>
+              </a:rPr>
+              <a:t>		//</a:t>
+            </a:r>
+            <a:r>
+              <a:rPr lang="zh-TW" altLang="en-US" b="1" dirty="0" smtClean="0">
+                <a:solidFill>
+                  <a:srgbClr val="FFFF00"/>
+                </a:solidFill>
+              </a:rPr>
+              <a:t> </a:t>
+            </a:r>
+            <a:r>
+              <a:rPr lang="en-US" altLang="zh-TW" b="1" dirty="0" smtClean="0">
+                <a:solidFill>
+                  <a:srgbClr val="FFFF00"/>
+                </a:solidFill>
+              </a:rPr>
+              <a:t>any codes</a:t>
+            </a:r>
+          </a:p>
+          <a:p>
+            <a:pPr marL="457200" lvl="0" indent="-228600" rtl="0">
+              <a:lnSpc>
+                <a:spcPct val="50000"/>
+              </a:lnSpc>
+              <a:spcBef>
+                <a:spcPts val="0"/>
+              </a:spcBef>
+            </a:pPr>
+            <a:r>
+              <a:rPr lang="en-US" altLang="zh-TW" b="1" dirty="0">
+                <a:solidFill>
+                  <a:srgbClr val="FFFF00"/>
+                </a:solidFill>
+              </a:rPr>
+              <a:t>	</a:t>
+            </a:r>
+            <a:r>
+              <a:rPr lang="en-US" altLang="zh-TW" b="1" dirty="0" smtClean="0">
+                <a:solidFill>
+                  <a:srgbClr val="FFFF00"/>
+                </a:solidFill>
+              </a:rPr>
+              <a:t>	</a:t>
+            </a:r>
+            <a:r>
+              <a:rPr lang="en-US" altLang="zh-TW" b="1" dirty="0" err="1" smtClean="0">
+                <a:solidFill>
+                  <a:srgbClr val="FFFF00"/>
+                </a:solidFill>
+              </a:rPr>
+              <a:t>i</a:t>
+            </a:r>
+            <a:r>
+              <a:rPr lang="en-US" altLang="zh-TW" b="1" dirty="0" smtClean="0">
+                <a:solidFill>
+                  <a:srgbClr val="FFFF00"/>
+                </a:solidFill>
+              </a:rPr>
+              <a:t> ++ ;</a:t>
+            </a:r>
+          </a:p>
+          <a:p>
+            <a:pPr marL="457200" lvl="0" indent="-228600" rtl="0">
+              <a:lnSpc>
+                <a:spcPct val="50000"/>
+              </a:lnSpc>
+              <a:spcBef>
+                <a:spcPts val="0"/>
+              </a:spcBef>
+            </a:pPr>
+            <a:r>
+              <a:rPr lang="en-US" altLang="zh-TW" b="1" dirty="0" smtClean="0">
+                <a:solidFill>
+                  <a:srgbClr val="FFFF00"/>
+                </a:solidFill>
+              </a:rPr>
+              <a:t>	}</a:t>
+            </a:r>
+            <a:endParaRPr lang="zh-TW" b="1" dirty="0" smtClean="0">
+              <a:solidFill>
+                <a:srgbClr val="FFFF00"/>
+              </a:solidFill>
+            </a:endParaRPr>
+          </a:p>
+        </p:txBody>
+      </p:sp>
+    </p:spTree>
+    <p:extLst>
+      <p:ext uri="{BB962C8B-B14F-4D97-AF65-F5344CB8AC3E}">
+        <p14:creationId xmlns:p14="http://schemas.microsoft.com/office/powerpoint/2010/main" val="1253790154"/>
+      </p:ext>
+    </p:extLst>
+  </p:cSld>
+  <p:clrMapOvr>
+    <a:masterClrMapping/>
+  </p:clrMapOvr>
+  <p:timing>
+    <p:tnLst>
+      <p:par>
+        <p:cTn id="1" dur="indefinite" restart="never" nodeType="tmRoot"/>
+      </p:par>
+    </p:tnLst>
+  </p:timing>
+</p:sld>
+</file>
+
+<file path=ppt/slides/slide5.xml><?xml version="1.0" encoding="utf-8"?>
+<p:sld xmlns:a="http://schemas.openxmlformats.org/drawingml/2006/main" xmlns:r="http://schemas.openxmlformats.org/officeDocument/2006/relationships" xmlns:p="http://schemas.openxmlformats.org/presentationml/2006/main">
+  <p:cSld>
+    <p:spTree>
+      <p:nvGrpSpPr>
+        <p:cNvPr id="1" name="Shape 70"/>
+        <p:cNvGrpSpPr/>
+        <p:nvPr/>
+      </p:nvGrpSpPr>
+      <p:grpSpPr>
+        <a:xfrm>
+          <a:off x="0" y="0"/>
+          <a:ext cx="0" cy="0"/>
+          <a:chOff x="0" y="0"/>
+          <a:chExt cx="0" cy="0"/>
+        </a:xfrm>
+      </p:grpSpPr>
+      <p:sp>
+        <p:nvSpPr>
+          <p:cNvPr id="71" name="Shape 71"/>
+          <p:cNvSpPr txBox="1">
+            <a:spLocks noGrp="1"/>
+          </p:cNvSpPr>
+          <p:nvPr>
+            <p:ph type="title"/>
+          </p:nvPr>
+        </p:nvSpPr>
+        <p:spPr>
+          <a:xfrm>
+            <a:off x="387900" y="458025"/>
+            <a:ext cx="8368200" cy="686100"/>
+          </a:xfrm>
+          <a:prstGeom prst="rect">
+            <a:avLst/>
+          </a:prstGeom>
+        </p:spPr>
+        <p:txBody>
+          <a:bodyPr lIns="91425" tIns="91425" rIns="91425" bIns="91425" anchor="b" anchorCtr="0">
+            <a:noAutofit/>
+          </a:bodyPr>
+          <a:lstStyle/>
+          <a:p>
+            <a:pPr lvl="0">
+              <a:spcBef>
+                <a:spcPts val="0"/>
+              </a:spcBef>
+              <a:buNone/>
+            </a:pPr>
+            <a:r>
+              <a:rPr lang="zh-TW"/>
+              <a:t>實驗一：重複</a:t>
+            </a:r>
+            <a:r>
+              <a:rPr lang="zh-TW" smtClean="0"/>
+              <a:t>執行</a:t>
+            </a:r>
+            <a:r>
+              <a:rPr lang="en-US" altLang="zh-TW" smtClean="0"/>
+              <a:t> – do {…} while   loop</a:t>
+            </a:r>
+            <a:endParaRPr lang="zh-TW"/>
+          </a:p>
+        </p:txBody>
+      </p:sp>
+      <p:sp>
+        <p:nvSpPr>
+          <p:cNvPr id="72" name="Shape 72"/>
+          <p:cNvSpPr txBox="1">
+            <a:spLocks noGrp="1"/>
+          </p:cNvSpPr>
+          <p:nvPr>
+            <p:ph type="body" idx="1"/>
+          </p:nvPr>
+        </p:nvSpPr>
+        <p:spPr>
+          <a:xfrm>
+            <a:off x="387900" y="1489824"/>
+            <a:ext cx="8368200" cy="3545472"/>
+          </a:xfrm>
+          <a:prstGeom prst="rect">
+            <a:avLst/>
+          </a:prstGeom>
+        </p:spPr>
+        <p:txBody>
+          <a:bodyPr lIns="91425" tIns="91425" rIns="91425" bIns="91425" anchor="t" anchorCtr="0">
+            <a:noAutofit/>
+          </a:bodyPr>
+          <a:lstStyle/>
+          <a:p>
+            <a:pPr marL="514350" lvl="0" indent="-285750" rtl="0">
+              <a:spcBef>
+                <a:spcPts val="0"/>
+              </a:spcBef>
+              <a:buFont typeface="Wingdings" panose="05000000000000000000" pitchFamily="2" charset="2"/>
+              <a:buChar char="Ø"/>
+            </a:pPr>
+            <a:r>
+              <a:rPr lang="zh-TW" altLang="en-US" dirty="0" smtClean="0"/>
+              <a:t>利用</a:t>
+            </a:r>
+            <a:r>
+              <a:rPr lang="zh-TW" altLang="en-US" b="1" dirty="0" smtClean="0">
+                <a:solidFill>
+                  <a:srgbClr val="FFFF00"/>
+                </a:solidFill>
+              </a:rPr>
+              <a:t>條件</a:t>
+            </a:r>
+            <a:r>
+              <a:rPr lang="zh-TW" altLang="en-US" b="1" dirty="0">
+                <a:solidFill>
+                  <a:srgbClr val="FFFF00"/>
+                </a:solidFill>
+              </a:rPr>
+              <a:t>式</a:t>
+            </a:r>
+            <a:r>
+              <a:rPr lang="zh-TW" altLang="en-US" dirty="0" smtClean="0"/>
+              <a:t>來限制迴圈次數</a:t>
+            </a:r>
+            <a:endParaRPr lang="en-US" altLang="zh-TW" dirty="0" smtClean="0"/>
+          </a:p>
+          <a:p>
+            <a:pPr marL="514350" lvl="0" indent="-285750" rtl="0">
+              <a:spcBef>
+                <a:spcPts val="0"/>
+              </a:spcBef>
+              <a:buFont typeface="Wingdings" panose="05000000000000000000" pitchFamily="2" charset="2"/>
+              <a:buChar char="Ø"/>
+            </a:pPr>
+            <a:r>
+              <a:rPr lang="zh-TW" altLang="en-US" dirty="0" smtClean="0"/>
+              <a:t>把</a:t>
+            </a:r>
+            <a:r>
+              <a:rPr lang="en-US" altLang="zh-TW" dirty="0"/>
+              <a:t> </a:t>
+            </a:r>
+            <a:r>
+              <a:rPr lang="en-US" altLang="zh-TW" dirty="0" smtClean="0"/>
+              <a:t>while</a:t>
+            </a:r>
+            <a:r>
+              <a:rPr lang="zh-TW" altLang="en-US" dirty="0" smtClean="0"/>
+              <a:t> 判斷放在最後面，迴圈內的程式碼</a:t>
+            </a:r>
+            <a:r>
+              <a:rPr lang="zh-TW" altLang="en-US" b="1" dirty="0" smtClean="0"/>
+              <a:t>至少會執行一次</a:t>
+            </a:r>
+            <a:endParaRPr lang="en-US" altLang="zh-TW" b="1" dirty="0" smtClean="0"/>
+          </a:p>
+          <a:p>
+            <a:pPr marL="457200" lvl="0" indent="-228600" rtl="0">
+              <a:lnSpc>
+                <a:spcPct val="50000"/>
+              </a:lnSpc>
+              <a:spcBef>
+                <a:spcPts val="0"/>
+              </a:spcBef>
+            </a:pPr>
+            <a:r>
+              <a:rPr lang="en-US" altLang="zh-TW" dirty="0" smtClean="0"/>
+              <a:t>	</a:t>
+            </a:r>
+          </a:p>
+          <a:p>
+            <a:pPr marL="457200" lvl="0" indent="-228600" rtl="0">
+              <a:lnSpc>
+                <a:spcPct val="50000"/>
+              </a:lnSpc>
+              <a:spcBef>
+                <a:spcPts val="0"/>
+              </a:spcBef>
+            </a:pPr>
+            <a:r>
+              <a:rPr lang="en-US" altLang="zh-TW" b="1" dirty="0">
+                <a:solidFill>
+                  <a:srgbClr val="FFFF00"/>
+                </a:solidFill>
+              </a:rPr>
+              <a:t>	</a:t>
+            </a:r>
+            <a:r>
+              <a:rPr lang="en-US" altLang="zh-TW" b="1" dirty="0" err="1" smtClean="0">
+                <a:solidFill>
+                  <a:srgbClr val="FFFF00"/>
+                </a:solidFill>
+              </a:rPr>
+              <a:t>int</a:t>
+            </a:r>
+            <a:r>
+              <a:rPr lang="en-US" altLang="zh-TW" b="1" dirty="0" smtClean="0">
+                <a:solidFill>
+                  <a:srgbClr val="FFFF00"/>
+                </a:solidFill>
+              </a:rPr>
+              <a:t>   </a:t>
+            </a:r>
+            <a:r>
+              <a:rPr lang="en-US" altLang="zh-TW" b="1" dirty="0" err="1" smtClean="0">
+                <a:solidFill>
+                  <a:srgbClr val="FFFF00"/>
+                </a:solidFill>
+              </a:rPr>
+              <a:t>i</a:t>
+            </a:r>
+            <a:r>
+              <a:rPr lang="en-US" altLang="zh-TW" b="1" dirty="0" smtClean="0">
+                <a:solidFill>
+                  <a:srgbClr val="FFFF00"/>
+                </a:solidFill>
+              </a:rPr>
+              <a:t>  =  99;</a:t>
+            </a:r>
+          </a:p>
+          <a:p>
+            <a:pPr marL="457200" lvl="0" indent="-228600" rtl="0">
+              <a:lnSpc>
+                <a:spcPct val="50000"/>
+              </a:lnSpc>
+              <a:spcBef>
+                <a:spcPts val="0"/>
+              </a:spcBef>
+            </a:pPr>
+            <a:r>
+              <a:rPr lang="en-US" altLang="zh-TW" b="1" dirty="0">
+                <a:solidFill>
+                  <a:srgbClr val="FFFF00"/>
+                </a:solidFill>
+              </a:rPr>
+              <a:t>	</a:t>
+            </a:r>
+            <a:r>
+              <a:rPr lang="en-US" altLang="zh-TW" b="1" dirty="0" smtClean="0">
+                <a:solidFill>
+                  <a:srgbClr val="FFFF00"/>
+                </a:solidFill>
+              </a:rPr>
+              <a:t>do</a:t>
+            </a:r>
+          </a:p>
+          <a:p>
+            <a:pPr marL="457200" lvl="0" indent="-228600" rtl="0">
+              <a:lnSpc>
+                <a:spcPct val="50000"/>
+              </a:lnSpc>
+              <a:spcBef>
+                <a:spcPts val="0"/>
+              </a:spcBef>
+            </a:pPr>
+            <a:r>
+              <a:rPr lang="en-US" altLang="zh-TW" b="1" dirty="0">
+                <a:solidFill>
+                  <a:srgbClr val="FFFF00"/>
+                </a:solidFill>
+              </a:rPr>
+              <a:t>	</a:t>
+            </a:r>
+            <a:r>
+              <a:rPr lang="en-US" altLang="zh-TW" b="1" dirty="0" smtClean="0">
+                <a:solidFill>
+                  <a:srgbClr val="FFFF00"/>
+                </a:solidFill>
+              </a:rPr>
+              <a:t>{</a:t>
+            </a:r>
+            <a:r>
+              <a:rPr lang="zh-TW" altLang="en-US" b="1" dirty="0" smtClean="0">
+                <a:solidFill>
+                  <a:srgbClr val="FFFF00"/>
+                </a:solidFill>
+              </a:rPr>
+              <a:t>      </a:t>
+            </a:r>
+            <a:endParaRPr lang="en-US" altLang="zh-TW" b="1" dirty="0">
+              <a:solidFill>
+                <a:srgbClr val="FFFF00"/>
+              </a:solidFill>
+            </a:endParaRPr>
+          </a:p>
+          <a:p>
+            <a:pPr marL="457200" lvl="0" indent="-228600" rtl="0">
+              <a:lnSpc>
+                <a:spcPct val="50000"/>
+              </a:lnSpc>
+              <a:spcBef>
+                <a:spcPts val="0"/>
+              </a:spcBef>
+            </a:pPr>
+            <a:r>
+              <a:rPr lang="en-US" altLang="zh-TW" b="1" dirty="0" smtClean="0">
+                <a:solidFill>
+                  <a:srgbClr val="FFFF00"/>
+                </a:solidFill>
+              </a:rPr>
+              <a:t>		//</a:t>
+            </a:r>
+            <a:r>
+              <a:rPr lang="zh-TW" altLang="en-US" b="1" dirty="0" smtClean="0">
+                <a:solidFill>
+                  <a:srgbClr val="FFFF00"/>
+                </a:solidFill>
+              </a:rPr>
+              <a:t> </a:t>
+            </a:r>
+            <a:r>
+              <a:rPr lang="en-US" altLang="zh-TW" b="1" dirty="0" smtClean="0">
+                <a:solidFill>
+                  <a:srgbClr val="FFFF00"/>
+                </a:solidFill>
+              </a:rPr>
+              <a:t>any codes</a:t>
+            </a:r>
+          </a:p>
+          <a:p>
+            <a:pPr marL="457200" lvl="0" indent="-228600" rtl="0">
+              <a:lnSpc>
+                <a:spcPct val="50000"/>
+              </a:lnSpc>
+              <a:spcBef>
+                <a:spcPts val="0"/>
+              </a:spcBef>
+            </a:pPr>
+            <a:r>
+              <a:rPr lang="en-US" altLang="zh-TW" b="1" dirty="0">
+                <a:solidFill>
+                  <a:srgbClr val="FFFF00"/>
+                </a:solidFill>
+              </a:rPr>
+              <a:t>	</a:t>
+            </a:r>
+            <a:r>
+              <a:rPr lang="en-US" altLang="zh-TW" b="1" dirty="0" smtClean="0">
+                <a:solidFill>
+                  <a:srgbClr val="FFFF00"/>
+                </a:solidFill>
+              </a:rPr>
+              <a:t>	</a:t>
+            </a:r>
+            <a:r>
+              <a:rPr lang="en-US" altLang="zh-TW" b="1" dirty="0" err="1" smtClean="0">
+                <a:solidFill>
+                  <a:srgbClr val="FFFF00"/>
+                </a:solidFill>
+              </a:rPr>
+              <a:t>i</a:t>
+            </a:r>
+            <a:r>
+              <a:rPr lang="en-US" altLang="zh-TW" b="1" dirty="0" smtClean="0">
+                <a:solidFill>
+                  <a:srgbClr val="FFFF00"/>
+                </a:solidFill>
+              </a:rPr>
+              <a:t> ++ ;</a:t>
+            </a:r>
+          </a:p>
+          <a:p>
+            <a:pPr marL="457200" indent="-228600">
+              <a:lnSpc>
+                <a:spcPct val="50000"/>
+              </a:lnSpc>
+            </a:pPr>
+            <a:r>
+              <a:rPr lang="en-US" altLang="zh-TW" b="1" dirty="0">
+                <a:solidFill>
+                  <a:srgbClr val="FFFF00"/>
+                </a:solidFill>
+              </a:rPr>
+              <a:t>	</a:t>
+            </a:r>
+            <a:r>
+              <a:rPr lang="en-US" altLang="zh-TW" b="1" dirty="0" smtClean="0">
+                <a:solidFill>
+                  <a:srgbClr val="FFFF00"/>
+                </a:solidFill>
+              </a:rPr>
+              <a:t>}</a:t>
+            </a:r>
+            <a:r>
+              <a:rPr lang="en-US" altLang="zh-TW" b="1" dirty="0">
+                <a:solidFill>
+                  <a:srgbClr val="FFFF00"/>
+                </a:solidFill>
+              </a:rPr>
+              <a:t> while ( </a:t>
+            </a:r>
+            <a:r>
+              <a:rPr lang="en-US" altLang="zh-TW" b="1" dirty="0" err="1">
+                <a:solidFill>
+                  <a:srgbClr val="FFFF00"/>
+                </a:solidFill>
+              </a:rPr>
+              <a:t>i</a:t>
+            </a:r>
+            <a:r>
+              <a:rPr lang="en-US" altLang="zh-TW" b="1" dirty="0">
+                <a:solidFill>
+                  <a:srgbClr val="FFFF00"/>
+                </a:solidFill>
+              </a:rPr>
+              <a:t>   &lt;  10  )</a:t>
+            </a:r>
+          </a:p>
+          <a:p>
+            <a:pPr marL="457200" lvl="0" indent="-228600" rtl="0">
+              <a:lnSpc>
+                <a:spcPct val="50000"/>
+              </a:lnSpc>
+              <a:spcBef>
+                <a:spcPts val="0"/>
+              </a:spcBef>
+            </a:pPr>
+            <a:endParaRPr lang="zh-TW" b="1" dirty="0" smtClean="0">
+              <a:solidFill>
+                <a:srgbClr val="FFFF00"/>
+              </a:solidFill>
+            </a:endParaRPr>
+          </a:p>
+        </p:txBody>
+      </p:sp>
+    </p:spTree>
+    <p:extLst>
+      <p:ext uri="{BB962C8B-B14F-4D97-AF65-F5344CB8AC3E}">
+        <p14:creationId xmlns:p14="http://schemas.microsoft.com/office/powerpoint/2010/main" val="153039428"/>
+      </p:ext>
+    </p:extLst>
+  </p:cSld>
+  <p:clrMapOvr>
+    <a:masterClrMapping/>
+  </p:clrMapOvr>
+</p:sld>
+</file>
+
+<file path=ppt/slides/slide6.xml><?xml version="1.0" encoding="utf-8"?>
+<p:sld xmlns:a="http://schemas.openxmlformats.org/drawingml/2006/main" xmlns:r="http://schemas.openxmlformats.org/officeDocument/2006/relationships" xmlns:p="http://schemas.openxmlformats.org/presentationml/2006/main">
+  <p:cSld>
+    <p:spTree>
+      <p:nvGrpSpPr>
+        <p:cNvPr id="1" name="Shape 70"/>
+        <p:cNvGrpSpPr/>
+        <p:nvPr/>
+      </p:nvGrpSpPr>
+      <p:grpSpPr>
+        <a:xfrm>
+          <a:off x="0" y="0"/>
+          <a:ext cx="0" cy="0"/>
+          <a:chOff x="0" y="0"/>
+          <a:chExt cx="0" cy="0"/>
+        </a:xfrm>
+      </p:grpSpPr>
+      <p:sp>
+        <p:nvSpPr>
+          <p:cNvPr id="71" name="Shape 71"/>
+          <p:cNvSpPr txBox="1">
+            <a:spLocks noGrp="1"/>
+          </p:cNvSpPr>
+          <p:nvPr>
+            <p:ph type="title"/>
+          </p:nvPr>
+        </p:nvSpPr>
+        <p:spPr>
+          <a:xfrm>
+            <a:off x="387900" y="458025"/>
+            <a:ext cx="8368200" cy="686100"/>
+          </a:xfrm>
+          <a:prstGeom prst="rect">
+            <a:avLst/>
+          </a:prstGeom>
+        </p:spPr>
+        <p:txBody>
+          <a:bodyPr lIns="91425" tIns="91425" rIns="91425" bIns="91425" anchor="b" anchorCtr="0">
+            <a:noAutofit/>
+          </a:bodyPr>
+          <a:lstStyle/>
+          <a:p>
+            <a:pPr lvl="0">
+              <a:spcBef>
+                <a:spcPts val="0"/>
+              </a:spcBef>
+              <a:buNone/>
+            </a:pPr>
+            <a:r>
+              <a:rPr lang="zh-TW" dirty="0"/>
+              <a:t>實驗一</a:t>
+            </a:r>
+            <a:r>
+              <a:rPr lang="zh-TW" dirty="0" smtClean="0"/>
+              <a:t>：</a:t>
+            </a:r>
+            <a:r>
+              <a:rPr lang="en-US" altLang="zh-TW" dirty="0" smtClean="0"/>
+              <a:t>break</a:t>
+            </a:r>
+            <a:r>
+              <a:rPr lang="zh-TW" altLang="en-US" dirty="0" smtClean="0"/>
+              <a:t>  </a:t>
+            </a:r>
+            <a:r>
+              <a:rPr lang="en-US" altLang="zh-TW" dirty="0" smtClean="0"/>
+              <a:t>&amp;</a:t>
+            </a:r>
+            <a:r>
+              <a:rPr lang="zh-TW" altLang="en-US" dirty="0" smtClean="0"/>
+              <a:t>  </a:t>
+            </a:r>
+            <a:r>
+              <a:rPr lang="en-US" altLang="zh-TW" dirty="0" smtClean="0"/>
+              <a:t>continue</a:t>
+            </a:r>
+            <a:r>
+              <a:rPr lang="zh-TW" altLang="en-US" dirty="0" smtClean="0"/>
+              <a:t>  </a:t>
+            </a:r>
+            <a:endParaRPr lang="zh-TW" dirty="0"/>
+          </a:p>
+        </p:txBody>
+      </p:sp>
+      <p:sp>
+        <p:nvSpPr>
+          <p:cNvPr id="72" name="Shape 72"/>
+          <p:cNvSpPr txBox="1">
+            <a:spLocks noGrp="1"/>
+          </p:cNvSpPr>
+          <p:nvPr>
+            <p:ph type="body" idx="1"/>
+          </p:nvPr>
+        </p:nvSpPr>
+        <p:spPr>
+          <a:xfrm>
+            <a:off x="387900" y="1489824"/>
+            <a:ext cx="8368200" cy="3545472"/>
+          </a:xfrm>
+          <a:prstGeom prst="rect">
+            <a:avLst/>
+          </a:prstGeom>
+        </p:spPr>
+        <p:txBody>
+          <a:bodyPr lIns="91425" tIns="91425" rIns="91425" bIns="91425" anchor="t" anchorCtr="0">
+            <a:noAutofit/>
+          </a:bodyPr>
+          <a:lstStyle/>
+          <a:p>
+            <a:pPr marL="514350" lvl="0" indent="-285750" rtl="0">
+              <a:spcBef>
+                <a:spcPts val="0"/>
+              </a:spcBef>
+              <a:buFont typeface="Wingdings" panose="05000000000000000000" pitchFamily="2" charset="2"/>
+              <a:buChar char="Ø"/>
+            </a:pPr>
+            <a:r>
+              <a:rPr lang="en-US" altLang="zh-TW" dirty="0" smtClean="0"/>
+              <a:t>break ; </a:t>
+            </a:r>
+            <a:r>
+              <a:rPr lang="zh-TW" altLang="en-US" dirty="0" smtClean="0"/>
+              <a:t>終止迴圈</a:t>
+            </a:r>
+            <a:endParaRPr lang="en-US" altLang="zh-TW" dirty="0"/>
+          </a:p>
+          <a:p>
+            <a:pPr marL="514350" lvl="0" indent="-285750" rtl="0">
+              <a:spcBef>
+                <a:spcPts val="0"/>
+              </a:spcBef>
+              <a:buFont typeface="Wingdings" panose="05000000000000000000" pitchFamily="2" charset="2"/>
+              <a:buChar char="Ø"/>
+            </a:pPr>
+            <a:r>
+              <a:rPr lang="en-US" altLang="zh-TW" dirty="0" smtClean="0"/>
+              <a:t>Continue ; </a:t>
+            </a:r>
+            <a:r>
+              <a:rPr lang="zh-TW" altLang="en-US" dirty="0" smtClean="0"/>
+              <a:t>  結束當前敘述式，但不跳脫迴圈</a:t>
+            </a:r>
+            <a:r>
+              <a:rPr lang="en-US" altLang="zh-TW" dirty="0" smtClean="0"/>
+              <a:t>	</a:t>
+            </a:r>
+          </a:p>
+          <a:p>
+            <a:pPr marL="457200" lvl="0" indent="-228600" rtl="0">
+              <a:lnSpc>
+                <a:spcPct val="50000"/>
+              </a:lnSpc>
+              <a:spcBef>
+                <a:spcPts val="0"/>
+              </a:spcBef>
+            </a:pPr>
+            <a:r>
+              <a:rPr lang="en-US" altLang="zh-TW" b="1" dirty="0">
+                <a:solidFill>
+                  <a:srgbClr val="FFFF00"/>
+                </a:solidFill>
+              </a:rPr>
+              <a:t>	</a:t>
+            </a:r>
+            <a:r>
+              <a:rPr lang="en-US" altLang="zh-TW" b="1" dirty="0" smtClean="0">
+                <a:solidFill>
+                  <a:srgbClr val="FFFF00"/>
+                </a:solidFill>
+              </a:rPr>
+              <a:t>do</a:t>
+            </a:r>
+            <a:endParaRPr lang="en-US" altLang="zh-TW" b="1" dirty="0" smtClean="0">
+              <a:solidFill>
+                <a:srgbClr val="FFFF00"/>
+              </a:solidFill>
+            </a:endParaRPr>
+          </a:p>
+          <a:p>
+            <a:pPr marL="457200" lvl="0" indent="-228600" rtl="0">
+              <a:lnSpc>
+                <a:spcPct val="50000"/>
+              </a:lnSpc>
+              <a:spcBef>
+                <a:spcPts val="0"/>
+              </a:spcBef>
+            </a:pPr>
+            <a:r>
+              <a:rPr lang="en-US" altLang="zh-TW" b="1" dirty="0">
+                <a:solidFill>
+                  <a:srgbClr val="FFFF00"/>
+                </a:solidFill>
+              </a:rPr>
+              <a:t>	</a:t>
+            </a:r>
+            <a:r>
+              <a:rPr lang="en-US" altLang="zh-TW" b="1" dirty="0" smtClean="0">
+                <a:solidFill>
+                  <a:srgbClr val="FFFF00"/>
+                </a:solidFill>
+              </a:rPr>
+              <a:t>{</a:t>
+            </a:r>
+            <a:r>
+              <a:rPr lang="zh-TW" altLang="en-US" b="1" dirty="0" smtClean="0">
+                <a:solidFill>
+                  <a:srgbClr val="FFFF00"/>
+                </a:solidFill>
+              </a:rPr>
+              <a:t>      </a:t>
+            </a:r>
+            <a:endParaRPr lang="en-US" altLang="zh-TW" b="1" dirty="0">
+              <a:solidFill>
+                <a:srgbClr val="FFFF00"/>
+              </a:solidFill>
+            </a:endParaRPr>
+          </a:p>
+          <a:p>
+            <a:pPr marL="457200" lvl="0" indent="-228600" rtl="0">
+              <a:lnSpc>
+                <a:spcPct val="50000"/>
+              </a:lnSpc>
+              <a:spcBef>
+                <a:spcPts val="0"/>
+              </a:spcBef>
+            </a:pPr>
+            <a:r>
+              <a:rPr lang="en-US" altLang="zh-TW" b="1" dirty="0" smtClean="0">
+                <a:solidFill>
+                  <a:srgbClr val="FFFF00"/>
+                </a:solidFill>
+              </a:rPr>
+              <a:t>		</a:t>
+            </a:r>
+            <a:r>
+              <a:rPr lang="en-US" altLang="zh-TW" b="1" dirty="0" smtClean="0">
+                <a:solidFill>
+                  <a:srgbClr val="FFFF00"/>
+                </a:solidFill>
+              </a:rPr>
+              <a:t>//</a:t>
+            </a:r>
+            <a:r>
+              <a:rPr lang="zh-TW" altLang="en-US" b="1" dirty="0" smtClean="0">
+                <a:solidFill>
+                  <a:srgbClr val="FFFF00"/>
+                </a:solidFill>
+              </a:rPr>
+              <a:t> </a:t>
+            </a:r>
+            <a:r>
+              <a:rPr lang="en-US" altLang="zh-TW" b="1" dirty="0" smtClean="0">
+                <a:solidFill>
+                  <a:srgbClr val="FFFF00"/>
+                </a:solidFill>
+              </a:rPr>
+              <a:t>A</a:t>
+            </a:r>
+            <a:endParaRPr lang="en-US" altLang="zh-TW" b="1" dirty="0" smtClean="0">
+              <a:solidFill>
+                <a:srgbClr val="FFFF00"/>
+              </a:solidFill>
+            </a:endParaRPr>
+          </a:p>
+          <a:p>
+            <a:pPr marL="457200" lvl="0" indent="-228600" rtl="0">
+              <a:lnSpc>
+                <a:spcPct val="50000"/>
+              </a:lnSpc>
+              <a:spcBef>
+                <a:spcPts val="0"/>
+              </a:spcBef>
+            </a:pPr>
+            <a:r>
+              <a:rPr lang="en-US" altLang="zh-TW" b="1" dirty="0">
+                <a:solidFill>
+                  <a:srgbClr val="FFFF00"/>
+                </a:solidFill>
+              </a:rPr>
+              <a:t>	</a:t>
+            </a:r>
+            <a:r>
+              <a:rPr lang="en-US" altLang="zh-TW" b="1" dirty="0" smtClean="0">
+                <a:solidFill>
+                  <a:srgbClr val="FFFF00"/>
+                </a:solidFill>
+              </a:rPr>
+              <a:t>	</a:t>
+            </a:r>
+            <a:r>
+              <a:rPr lang="en-US" altLang="zh-TW" b="1" dirty="0" smtClean="0">
+                <a:solidFill>
+                  <a:srgbClr val="FFFF00"/>
+                </a:solidFill>
+              </a:rPr>
+              <a:t>break ;</a:t>
+            </a:r>
+          </a:p>
+          <a:p>
+            <a:pPr marL="457200" lvl="0" indent="-228600" rtl="0">
+              <a:lnSpc>
+                <a:spcPct val="50000"/>
+              </a:lnSpc>
+              <a:spcBef>
+                <a:spcPts val="0"/>
+              </a:spcBef>
+            </a:pPr>
+            <a:r>
+              <a:rPr lang="en-US" altLang="zh-TW" b="1" dirty="0">
+                <a:solidFill>
+                  <a:srgbClr val="FFFF00"/>
+                </a:solidFill>
+              </a:rPr>
+              <a:t>	</a:t>
+            </a:r>
+            <a:r>
+              <a:rPr lang="en-US" altLang="zh-TW" b="1" dirty="0" smtClean="0">
+                <a:solidFill>
+                  <a:srgbClr val="FFFF00"/>
+                </a:solidFill>
+              </a:rPr>
+              <a:t>	// B</a:t>
+            </a:r>
+            <a:endParaRPr lang="en-US" altLang="zh-TW" b="1" dirty="0" smtClean="0">
+              <a:solidFill>
+                <a:srgbClr val="FFFF00"/>
+              </a:solidFill>
+            </a:endParaRPr>
+          </a:p>
+          <a:p>
+            <a:pPr marL="457200" indent="-228600">
+              <a:lnSpc>
+                <a:spcPct val="50000"/>
+              </a:lnSpc>
+            </a:pPr>
+            <a:r>
+              <a:rPr lang="en-US" altLang="zh-TW" b="1" dirty="0">
+                <a:solidFill>
+                  <a:srgbClr val="FFFF00"/>
+                </a:solidFill>
+              </a:rPr>
+              <a:t>	</a:t>
+            </a:r>
+            <a:r>
+              <a:rPr lang="en-US" altLang="zh-TW" b="1" dirty="0" smtClean="0">
+                <a:solidFill>
+                  <a:srgbClr val="FFFF00"/>
+                </a:solidFill>
+              </a:rPr>
+              <a:t>}</a:t>
+            </a:r>
+            <a:r>
+              <a:rPr lang="en-US" altLang="zh-TW" b="1" dirty="0">
+                <a:solidFill>
+                  <a:srgbClr val="FFFF00"/>
+                </a:solidFill>
+              </a:rPr>
+              <a:t> </a:t>
+            </a:r>
+            <a:r>
+              <a:rPr lang="en-US" altLang="zh-TW" b="1" dirty="0" smtClean="0">
+                <a:solidFill>
+                  <a:srgbClr val="FFFF00"/>
+                </a:solidFill>
+              </a:rPr>
+              <a:t>while( True )</a:t>
+            </a:r>
+          </a:p>
+          <a:p>
+            <a:pPr marL="457200" indent="-228600">
+              <a:lnSpc>
+                <a:spcPct val="50000"/>
+              </a:lnSpc>
+            </a:pPr>
+            <a:r>
+              <a:rPr lang="en-US" altLang="zh-TW" b="1" dirty="0">
+                <a:solidFill>
+                  <a:srgbClr val="FFFF00"/>
+                </a:solidFill>
+              </a:rPr>
+              <a:t>	</a:t>
+            </a:r>
+            <a:r>
+              <a:rPr lang="en-US" altLang="zh-TW" b="1" dirty="0" smtClean="0">
+                <a:solidFill>
+                  <a:schemeClr val="accent4">
+                    <a:lumMod val="40000"/>
+                    <a:lumOff val="60000"/>
+                  </a:schemeClr>
+                </a:solidFill>
+              </a:rPr>
+              <a:t>// C</a:t>
+            </a:r>
+            <a:endParaRPr lang="en-US" altLang="zh-TW" b="1" dirty="0">
+              <a:solidFill>
+                <a:schemeClr val="accent4">
+                  <a:lumMod val="40000"/>
+                  <a:lumOff val="60000"/>
+                </a:schemeClr>
+              </a:solidFill>
+            </a:endParaRPr>
+          </a:p>
+          <a:p>
+            <a:pPr marL="457200" lvl="0" indent="-228600" rtl="0">
+              <a:lnSpc>
+                <a:spcPct val="50000"/>
+              </a:lnSpc>
+              <a:spcBef>
+                <a:spcPts val="0"/>
+              </a:spcBef>
+            </a:pPr>
+            <a:endParaRPr lang="zh-TW" b="1" dirty="0" smtClean="0">
+              <a:solidFill>
+                <a:srgbClr val="FFFF00"/>
+              </a:solidFill>
+            </a:endParaRPr>
+          </a:p>
+        </p:txBody>
+      </p:sp>
+    </p:spTree>
+    <p:extLst>
+      <p:ext uri="{BB962C8B-B14F-4D97-AF65-F5344CB8AC3E}">
+        <p14:creationId xmlns:p14="http://schemas.microsoft.com/office/powerpoint/2010/main" val="1791749450"/>
+      </p:ext>
+    </p:extLst>
+  </p:cSld>
+  <p:clrMapOvr>
+    <a:masterClrMapping/>
+  </p:clrMapOvr>
+</p:sld>
+</file>
+
+<file path=ppt/slides/slide7.xml><?xml version="1.0" encoding="utf-8"?>
+<p:sld xmlns:a="http://schemas.openxmlformats.org/drawingml/2006/main" xmlns:r="http://schemas.openxmlformats.org/officeDocument/2006/relationships" xmlns:p="http://schemas.openxmlformats.org/presentationml/2006/main">
+  <p:cSld>
+    <p:spTree>
+      <p:nvGrpSpPr>
+        <p:cNvPr id="1" name="Shape 70"/>
+        <p:cNvGrpSpPr/>
+        <p:nvPr/>
+      </p:nvGrpSpPr>
+      <p:grpSpPr>
+        <a:xfrm>
+          <a:off x="0" y="0"/>
+          <a:ext cx="0" cy="0"/>
+          <a:chOff x="0" y="0"/>
+          <a:chExt cx="0" cy="0"/>
+        </a:xfrm>
+      </p:grpSpPr>
+      <p:sp>
+        <p:nvSpPr>
+          <p:cNvPr id="71" name="Shape 71"/>
+          <p:cNvSpPr txBox="1">
+            <a:spLocks noGrp="1"/>
+          </p:cNvSpPr>
+          <p:nvPr>
+            <p:ph type="title"/>
+          </p:nvPr>
+        </p:nvSpPr>
+        <p:spPr>
+          <a:xfrm>
+            <a:off x="387900" y="458025"/>
+            <a:ext cx="8368200" cy="686100"/>
+          </a:xfrm>
+          <a:prstGeom prst="rect">
+            <a:avLst/>
+          </a:prstGeom>
+        </p:spPr>
+        <p:txBody>
+          <a:bodyPr lIns="91425" tIns="91425" rIns="91425" bIns="91425" anchor="b" anchorCtr="0">
+            <a:noAutofit/>
+          </a:bodyPr>
+          <a:lstStyle/>
+          <a:p>
+            <a:pPr lvl="0">
+              <a:spcBef>
+                <a:spcPts val="0"/>
+              </a:spcBef>
+              <a:buNone/>
+            </a:pPr>
+            <a:r>
+              <a:rPr lang="zh-TW" dirty="0"/>
+              <a:t>實驗一：重複執行</a:t>
+            </a:r>
+          </a:p>
+        </p:txBody>
+      </p:sp>
+      <p:sp>
+        <p:nvSpPr>
+          <p:cNvPr id="72" name="Shape 72"/>
+          <p:cNvSpPr txBox="1">
+            <a:spLocks noGrp="1"/>
+          </p:cNvSpPr>
+          <p:nvPr>
+            <p:ph type="body" idx="1"/>
+          </p:nvPr>
+        </p:nvSpPr>
+        <p:spPr>
+          <a:xfrm>
+            <a:off x="387900" y="1489824"/>
+            <a:ext cx="8368200" cy="3653676"/>
+          </a:xfrm>
+          <a:prstGeom prst="rect">
+            <a:avLst/>
+          </a:prstGeom>
+        </p:spPr>
+        <p:txBody>
+          <a:bodyPr lIns="91425" tIns="91425" rIns="91425" bIns="91425" anchor="t" anchorCtr="0">
+            <a:noAutofit/>
+          </a:bodyPr>
+          <a:lstStyle/>
+          <a:p>
+            <a:pPr marL="457200" lvl="0" indent="-228600" rtl="0">
+              <a:spcBef>
+                <a:spcPts val="0"/>
+              </a:spcBef>
+            </a:pPr>
+            <a:r>
+              <a:rPr lang="zh-TW" dirty="0" smtClean="0"/>
+              <a:t>實驗檢查項目</a:t>
+            </a:r>
+          </a:p>
+          <a:p>
+            <a:pPr marL="914400" lvl="1" indent="-228600" rtl="0">
+              <a:spcBef>
+                <a:spcPts val="0"/>
+              </a:spcBef>
+            </a:pPr>
+            <a:r>
+              <a:rPr lang="zh-TW" dirty="0" smtClean="0"/>
+              <a:t>輸入：整數 n， 0 &lt; n &lt; 10000</a:t>
+            </a:r>
+          </a:p>
+          <a:p>
+            <a:pPr marL="914400" lvl="1" indent="-228600"/>
+            <a:r>
+              <a:rPr lang="zh-TW" dirty="0" smtClean="0"/>
+              <a:t>輸出：整數 </a:t>
+            </a:r>
+            <a:r>
+              <a:rPr lang="zh-TW" altLang="zh-TW" dirty="0"/>
+              <a:t>(1 ~ 10) * </a:t>
+            </a:r>
+            <a:r>
+              <a:rPr lang="zh-TW" dirty="0" smtClean="0"/>
+              <a:t>n ，每行一個數，共十行</a:t>
+            </a:r>
+            <a:endParaRPr lang="en-US" altLang="zh-TW" dirty="0" smtClean="0"/>
+          </a:p>
+          <a:p>
+            <a:pPr marL="914400" lvl="1" indent="-228600"/>
+            <a:r>
+              <a:rPr lang="en-US" altLang="zh-TW" dirty="0" smtClean="0"/>
+              <a:t>input : 10</a:t>
+            </a:r>
+          </a:p>
+          <a:p>
+            <a:pPr marL="914400" lvl="1" indent="-228600"/>
+            <a:r>
+              <a:rPr lang="en-US" altLang="zh-TW" dirty="0" smtClean="0"/>
+              <a:t>output</a:t>
+            </a:r>
+            <a:r>
+              <a:rPr lang="zh-TW" altLang="en-US" dirty="0" smtClean="0"/>
+              <a:t> </a:t>
+            </a:r>
+            <a:r>
+              <a:rPr lang="en-US" altLang="zh-TW" dirty="0" smtClean="0"/>
+              <a:t>:</a:t>
+            </a:r>
+            <a:r>
+              <a:rPr lang="zh-TW" altLang="en-US" dirty="0" smtClean="0"/>
+              <a:t>  </a:t>
+            </a:r>
+            <a:r>
+              <a:rPr lang="en-US" altLang="zh-TW" dirty="0" smtClean="0"/>
+              <a:t>10</a:t>
+            </a:r>
+            <a:r>
+              <a:rPr lang="zh-TW" altLang="en-US" dirty="0"/>
+              <a:t> </a:t>
+            </a:r>
+            <a:r>
+              <a:rPr lang="en-US" altLang="zh-TW" dirty="0"/>
+              <a:t>, </a:t>
+            </a:r>
+            <a:r>
+              <a:rPr lang="en-US" altLang="zh-TW" dirty="0" smtClean="0"/>
+              <a:t>20</a:t>
+            </a:r>
+            <a:r>
+              <a:rPr lang="zh-TW" altLang="en-US" dirty="0"/>
+              <a:t> </a:t>
+            </a:r>
+            <a:r>
+              <a:rPr lang="en-US" altLang="zh-TW" dirty="0"/>
+              <a:t>, </a:t>
+            </a:r>
+            <a:r>
+              <a:rPr lang="en-US" altLang="zh-TW" dirty="0" smtClean="0"/>
+              <a:t>30</a:t>
+            </a:r>
+            <a:r>
+              <a:rPr lang="zh-TW" altLang="en-US" dirty="0"/>
+              <a:t> </a:t>
+            </a:r>
+            <a:r>
+              <a:rPr lang="en-US" altLang="zh-TW" dirty="0"/>
+              <a:t>, </a:t>
+            </a:r>
+            <a:r>
+              <a:rPr lang="en-US" altLang="zh-TW" dirty="0" smtClean="0"/>
+              <a:t>40</a:t>
+            </a:r>
+            <a:r>
+              <a:rPr lang="zh-TW" altLang="en-US" dirty="0"/>
+              <a:t> </a:t>
+            </a:r>
+            <a:r>
+              <a:rPr lang="en-US" altLang="zh-TW" dirty="0"/>
+              <a:t>, </a:t>
+            </a:r>
+            <a:r>
+              <a:rPr lang="en-US" altLang="zh-TW" dirty="0" smtClean="0"/>
+              <a:t>50</a:t>
+            </a:r>
+            <a:r>
+              <a:rPr lang="zh-TW" altLang="en-US" dirty="0"/>
+              <a:t> </a:t>
+            </a:r>
+            <a:r>
+              <a:rPr lang="en-US" altLang="zh-TW" dirty="0"/>
+              <a:t>, </a:t>
+            </a:r>
+            <a:r>
+              <a:rPr lang="en-US" altLang="zh-TW" dirty="0" smtClean="0"/>
+              <a:t>60</a:t>
+            </a:r>
+            <a:r>
+              <a:rPr lang="zh-TW" altLang="en-US" dirty="0"/>
+              <a:t> </a:t>
+            </a:r>
+            <a:r>
+              <a:rPr lang="en-US" altLang="zh-TW" dirty="0"/>
+              <a:t>, </a:t>
+            </a:r>
+            <a:r>
+              <a:rPr lang="en-US" altLang="zh-TW" dirty="0" smtClean="0"/>
+              <a:t>70</a:t>
+            </a:r>
+            <a:r>
+              <a:rPr lang="zh-TW" altLang="en-US" dirty="0"/>
+              <a:t> </a:t>
+            </a:r>
+            <a:r>
+              <a:rPr lang="en-US" altLang="zh-TW" dirty="0"/>
+              <a:t>, </a:t>
+            </a:r>
+            <a:r>
+              <a:rPr lang="en-US" altLang="zh-TW" dirty="0" smtClean="0"/>
+              <a:t>80</a:t>
+            </a:r>
+            <a:r>
+              <a:rPr lang="zh-TW" altLang="en-US" dirty="0"/>
+              <a:t> </a:t>
+            </a:r>
+            <a:r>
+              <a:rPr lang="en-US" altLang="zh-TW" dirty="0"/>
+              <a:t>, </a:t>
+            </a:r>
+            <a:r>
+              <a:rPr lang="en-US" altLang="zh-TW" dirty="0" smtClean="0"/>
+              <a:t>90</a:t>
+            </a:r>
+            <a:r>
+              <a:rPr lang="zh-TW" altLang="en-US" dirty="0"/>
+              <a:t> </a:t>
+            </a:r>
+            <a:r>
+              <a:rPr lang="en-US" altLang="zh-TW" dirty="0"/>
+              <a:t>, </a:t>
+            </a:r>
+            <a:r>
+              <a:rPr lang="en-US" altLang="zh-TW" dirty="0" smtClean="0"/>
+              <a:t>100</a:t>
+            </a:r>
+          </a:p>
+        </p:txBody>
+      </p:sp>
+    </p:spTree>
+    <p:extLst>
+      <p:ext uri="{BB962C8B-B14F-4D97-AF65-F5344CB8AC3E}">
+        <p14:creationId xmlns:p14="http://schemas.microsoft.com/office/powerpoint/2010/main" val="2268355987"/>
+      </p:ext>
+    </p:extLst>
+  </p:cSld>
+  <p:clrMapOvr>
+    <a:masterClrMapping/>
+  </p:clrMapOvr>
+</p:sld>
+</file>
+
+<file path=ppt/slides/slide8.xml><?xml version="1.0" encoding="utf-8"?>
+<p:sld xmlns:a="http://schemas.openxmlformats.org/drawingml/2006/main" xmlns:r="http://schemas.openxmlformats.org/officeDocument/2006/relationships" xmlns:p="http://schemas.openxmlformats.org/presentationml/2006/main">
+  <p:cSld>
+    <p:spTree>
+      <p:nvGrpSpPr>
+        <p:cNvPr id="1" name="Shape 82"/>
+        <p:cNvGrpSpPr/>
+        <p:nvPr/>
+      </p:nvGrpSpPr>
+      <p:grpSpPr>
+        <a:xfrm>
+          <a:off x="0" y="0"/>
+          <a:ext cx="0" cy="0"/>
+          <a:chOff x="0" y="0"/>
+          <a:chExt cx="0" cy="0"/>
+        </a:xfrm>
+      </p:grpSpPr>
+      <p:sp>
+        <p:nvSpPr>
+          <p:cNvPr id="83" name="Shape 83"/>
+          <p:cNvSpPr txBox="1">
+            <a:spLocks noGrp="1"/>
+          </p:cNvSpPr>
+          <p:nvPr>
+            <p:ph type="title"/>
+          </p:nvPr>
+        </p:nvSpPr>
+        <p:spPr>
+          <a:xfrm>
+            <a:off x="387900" y="458025"/>
+            <a:ext cx="8368200" cy="686100"/>
+          </a:xfrm>
+          <a:prstGeom prst="rect">
+            <a:avLst/>
+          </a:prstGeom>
+        </p:spPr>
+        <p:txBody>
+          <a:bodyPr lIns="91425" tIns="91425" rIns="91425" bIns="91425" anchor="b" anchorCtr="0">
+            <a:noAutofit/>
+          </a:bodyPr>
+          <a:lstStyle/>
+          <a:p>
+            <a:pPr lvl="0">
+              <a:spcBef>
+                <a:spcPts val="0"/>
+              </a:spcBef>
+              <a:buNone/>
+            </a:pPr>
+            <a:r>
+              <a:rPr lang="zh-TW" dirty="0" smtClean="0"/>
+              <a:t>實驗</a:t>
+            </a:r>
+            <a:r>
+              <a:rPr lang="zh-TW" altLang="en-US" dirty="0" smtClean="0"/>
+              <a:t>二</a:t>
+            </a:r>
+            <a:r>
+              <a:rPr lang="zh-TW" dirty="0" smtClean="0"/>
+              <a:t>：</a:t>
+            </a:r>
+            <a:r>
+              <a:rPr lang="zh-TW" dirty="0"/>
+              <a:t>亂數與亂數種子</a:t>
+            </a:r>
+          </a:p>
+        </p:txBody>
+      </p:sp>
+      <p:sp>
+        <p:nvSpPr>
+          <p:cNvPr id="84" name="Shape 84"/>
+          <p:cNvSpPr txBox="1">
+            <a:spLocks noGrp="1"/>
+          </p:cNvSpPr>
+          <p:nvPr>
+            <p:ph type="body" idx="1"/>
+          </p:nvPr>
+        </p:nvSpPr>
+        <p:spPr>
+          <a:xfrm>
+            <a:off x="387900" y="1489824"/>
+            <a:ext cx="8368200" cy="3078900"/>
+          </a:xfrm>
+          <a:prstGeom prst="rect">
+            <a:avLst/>
+          </a:prstGeom>
+        </p:spPr>
+        <p:txBody>
+          <a:bodyPr lIns="91425" tIns="91425" rIns="91425" bIns="91425" anchor="t" anchorCtr="0">
+            <a:noAutofit/>
+          </a:bodyPr>
+          <a:lstStyle/>
+          <a:p>
+            <a:pPr marL="457200" lvl="0" indent="-228600" rtl="0">
+              <a:spcBef>
+                <a:spcPts val="0"/>
+              </a:spcBef>
+            </a:pPr>
+            <a:r>
+              <a:rPr lang="zh-TW" dirty="0"/>
               <a:t>實驗目的</a:t>
             </a:r>
           </a:p>
@@ -5346,9 +8425,14 @@
               </a:spcBef>
             </a:pPr>
             <a:r>
-              <a:rPr lang="zh-TW"/>
-              <a:t>瞭解 while 的意義與用法</a:t>
-            </a:r>
+              <a:rPr lang="zh-TW" dirty="0"/>
+              <a:t>瞭解亂數的使用</a:t>
+            </a:r>
+            <a:r>
+              <a:rPr lang="zh-TW" dirty="0" smtClean="0"/>
+              <a:t>方式</a:t>
+            </a:r>
+            <a:endParaRPr lang="en-US" altLang="zh-TW" dirty="0" smtClean="0"/>
           </a:p>
           <a:p>
             <a:pPr marL="914400" lvl="1" indent="-228600" rtl="0">
@@ -5357,8 +8441,32 @@
               </a:spcBef>
             </a:pPr>
             <a:r>
-              <a:rPr lang="zh-TW"/>
-              <a:t>瞭解 do while 的意思與用法</a:t>
+              <a:rPr lang="en-US" altLang="zh-TW" dirty="0" err="1" smtClean="0"/>
+              <a:t>srand</a:t>
+            </a:r>
+            <a:r>
+              <a:rPr lang="en-US" altLang="zh-TW" dirty="0" smtClean="0"/>
+              <a:t>() </a:t>
+            </a:r>
+            <a:r>
+              <a:rPr lang="zh-TW" altLang="en-US" dirty="0" smtClean="0"/>
+              <a:t>、 </a:t>
+            </a:r>
+            <a:r>
+              <a:rPr lang="en-US" altLang="zh-TW" dirty="0" smtClean="0"/>
+              <a:t>rand()</a:t>
+            </a:r>
+            <a:endParaRPr lang="zh-TW" dirty="0"/>
+          </a:p>
+          <a:p>
+            <a:pPr marL="457200" lvl="0" indent="-228600" rtl="0">
+              <a:spcBef>
+                <a:spcPts val="0"/>
+              </a:spcBef>
+            </a:pPr>
+            <a:r>
+              <a:rPr lang="zh-TW" dirty="0"/>
+              <a:t>實驗檢查項目</a:t>
             </a:r>
           </a:p>
           <a:p>
@@ -5368,74 +8476,30 @@
               </a:spcBef>
             </a:pPr>
             <a:r>
-              <a:rPr lang="zh-TW"/>
-              <a:t>瞭解 for 的意義與用法</a:t>
-            </a:r>
-          </a:p>
-          <a:p>
-            <a:pPr marL="914400" lvl="1" indent="-228600" rtl="0">
-              <a:spcBef>
-                <a:spcPts val="0"/>
-              </a:spcBef>
-            </a:pPr>
-            <a:r>
-              <a:rPr lang="zh-TW"/>
-              <a:t>瞭解 break 與 continue 在迴圈中的意義</a:t>
-            </a:r>
-          </a:p>
-          <a:p>
-            <a:pPr marL="914400" lvl="1" indent="-228600" rtl="0">
-              <a:spcBef>
-                <a:spcPts val="0"/>
-              </a:spcBef>
-            </a:pPr>
-            <a:r>
-              <a:rPr lang="zh-TW"/>
-              <a:t>學習繪製具備迴圈的流程圖</a:t>
-            </a:r>
-          </a:p>
-          <a:p>
-            <a:pPr marL="457200" lvl="0" indent="-228600" rtl="0">
-              <a:spcBef>
-                <a:spcPts val="0"/>
-              </a:spcBef>
-            </a:pPr>
-            <a:r>
-              <a:rPr lang="zh-TW"/>
-              <a:t>實驗檢查項目</a:t>
-            </a:r>
-          </a:p>
-          <a:p>
-            <a:pPr marL="914400" lvl="1" indent="-228600" rtl="0">
-              <a:spcBef>
-                <a:spcPts val="0"/>
-              </a:spcBef>
-            </a:pPr>
-            <a:r>
-              <a:rPr lang="zh-TW"/>
-              <a:t>輸入：整數 n， 0 &lt; n &lt; 10000</a:t>
-            </a:r>
-          </a:p>
-          <a:p>
-            <a:pPr marL="914400" lvl="1" indent="-228600" rtl="0">
-              <a:spcBef>
-                <a:spcPts val="0"/>
-              </a:spcBef>
-            </a:pPr>
-            <a:r>
-              <a:rPr lang="zh-TW"/>
-              <a:t>輸出：整數 n * (1 ~ 10)，每行一個數，共十行</a:t>
-            </a:r>
-          </a:p>
-          <a:p>
-            <a:pPr marL="914400" lvl="1" indent="-228600" rtl="0">
-              <a:spcBef>
-                <a:spcPts val="0"/>
-              </a:spcBef>
-            </a:pPr>
-            <a:r>
-              <a:rPr lang="zh-TW"/>
-              <a:t>需繪製流程圖</a:t>
+              <a:rPr lang="zh-TW" dirty="0"/>
+              <a:t>猜數字程式</a:t>
+            </a:r>
+          </a:p>
+          <a:p>
+            <a:pPr marL="1371600" lvl="2" indent="-228600" rtl="0">
+              <a:spcBef>
+                <a:spcPts val="0"/>
+              </a:spcBef>
+            </a:pPr>
+            <a:r>
+              <a:rPr lang="zh-TW" dirty="0"/>
+              <a:t>生成一隨機數 n，由使用者重複猜數字</a:t>
+            </a:r>
+          </a:p>
+          <a:p>
+            <a:pPr marL="1371600" lvl="2" indent="-228600">
+              <a:spcBef>
+                <a:spcPts val="0"/>
+              </a:spcBef>
+            </a:pPr>
+            <a:r>
+              <a:rPr lang="zh-TW" dirty="0"/>
+              <a:t>程式會給予「大於」或「小於」的提示</a:t>
             </a:r>
           </a:p>
         </p:txBody>
@@ -5448,7 +8512,7 @@
 </p:sld>
 </file>
 
-<file path=ppt/slides/slide3.xml><?xml version="1.0" encoding="utf-8"?>
+<file path=ppt/slides/slide9.xml><?xml version="1.0" encoding="utf-8"?>
 <p:sld xmlns:a="http://schemas.openxmlformats.org/drawingml/2006/main" xmlns:r="http://schemas.openxmlformats.org/officeDocument/2006/relationships" xmlns:p="http://schemas.openxmlformats.org/presentationml/2006/main">
   <p:cSld>
     <p:spTree>
@@ -5497,8 +8561,20 @@
               <a:buNone/>
             </a:pPr>
             <a:r>
-              <a:rPr lang="zh-TW"/>
-              <a:t>實驗二：Online Judge</a:t>
+              <a:rPr lang="zh-TW" dirty="0" smtClean="0"/>
+              <a:t>實驗</a:t>
+            </a:r>
+            <a:r>
+              <a:rPr lang="zh-TW" altLang="en-US" dirty="0" smtClean="0"/>
+              <a:t>三</a:t>
+            </a:r>
+            <a:r>
+              <a:rPr lang="zh-TW" dirty="0" smtClean="0"/>
+              <a:t>：</a:t>
+            </a:r>
+            <a:r>
+              <a:rPr lang="zh-TW" dirty="0"/>
+              <a:t>Online Judge</a:t>
             </a:r>
           </a:p>
         </p:txBody>
@@ -5600,509 +8676,13 @@
   <p:clrMapOvr>
     <a:masterClrMapping/>
   </p:clrMapOvr>
-</p:sld>
-</file>
-
-<file path=ppt/slides/slide4.xml><?xml version="1.0" encoding="utf-8"?>
-<p:sld xmlns:a="http://schemas.openxmlformats.org/drawingml/2006/main" xmlns:r="http://schemas.openxmlformats.org/officeDocument/2006/relationships" xmlns:p="http://schemas.openxmlformats.org/presentationml/2006/main">
-  <p:cSld>
-    <p:spTree>
-      <p:nvGrpSpPr>
-        <p:cNvPr id="1" name="Shape 82"/>
-        <p:cNvGrpSpPr/>
-        <p:nvPr/>
-      </p:nvGrpSpPr>
-      <p:grpSpPr>
-        <a:xfrm>
-          <a:off x="0" y="0"/>
-          <a:ext cx="0" cy="0"/>
-          <a:chOff x="0" y="0"/>
-          <a:chExt cx="0" cy="0"/>
-        </a:xfrm>
-      </p:grpSpPr>
-      <p:sp>
-        <p:nvSpPr>
-          <p:cNvPr id="83" name="Shape 83"/>
-          <p:cNvSpPr txBox="1">
-            <a:spLocks noGrp="1"/>
-          </p:cNvSpPr>
-          <p:nvPr>
-            <p:ph type="title"/>
-          </p:nvPr>
-        </p:nvSpPr>
-        <p:spPr>
-          <a:xfrm>
-            <a:off x="387900" y="458025"/>
-            <a:ext cx="8368200" cy="686100"/>
-          </a:xfrm>
-          <a:prstGeom prst="rect">
-            <a:avLst/>
-          </a:prstGeom>
-        </p:spPr>
-        <p:txBody>
-          <a:bodyPr lIns="91425" tIns="91425" rIns="91425" bIns="91425" anchor="b" anchorCtr="0">
-            <a:noAutofit/>
-          </a:bodyPr>
-          <a:lstStyle/>
-          <a:p>
-            <a:pPr lvl="0">
-              <a:spcBef>
-                <a:spcPts val="0"/>
-              </a:spcBef>
-              <a:buNone/>
-            </a:pPr>
-            <a:r>
-              <a:rPr lang="zh-TW"/>
-              <a:t>實驗三：亂數與亂數種子</a:t>
-            </a:r>
-          </a:p>
-        </p:txBody>
-      </p:sp>
-      <p:sp>
-        <p:nvSpPr>
-          <p:cNvPr id="84" name="Shape 84"/>
-          <p:cNvSpPr txBox="1">
-            <a:spLocks noGrp="1"/>
-          </p:cNvSpPr>
-          <p:nvPr>
-            <p:ph type="body" idx="1"/>
-          </p:nvPr>
-        </p:nvSpPr>
-        <p:spPr>
-          <a:xfrm>
-            <a:off x="387900" y="1489824"/>
-            <a:ext cx="8368200" cy="3078900"/>
-          </a:xfrm>
-          <a:prstGeom prst="rect">
-            <a:avLst/>
-          </a:prstGeom>
-        </p:spPr>
-        <p:txBody>
-          <a:bodyPr lIns="91425" tIns="91425" rIns="91425" bIns="91425" anchor="t" anchorCtr="0">
-            <a:noAutofit/>
-          </a:bodyPr>
-          <a:lstStyle/>
-          <a:p>
-            <a:pPr marL="457200" lvl="0" indent="-228600" rtl="0">
-              <a:spcBef>
-                <a:spcPts val="0"/>
-              </a:spcBef>
-            </a:pPr>
-            <a:r>
-              <a:rPr lang="zh-TW"/>
-              <a:t>實驗目的</a:t>
-            </a:r>
-          </a:p>
-          <a:p>
-            <a:pPr marL="914400" lvl="1" indent="-228600" rtl="0">
-              <a:spcBef>
-                <a:spcPts val="0"/>
-              </a:spcBef>
-            </a:pPr>
-            <a:r>
-              <a:rPr lang="zh-TW"/>
-              <a:t>瞭解亂數的使用方式</a:t>
-            </a:r>
-          </a:p>
-          <a:p>
-            <a:pPr marL="457200" lvl="0" indent="-228600" rtl="0">
-              <a:spcBef>
-                <a:spcPts val="0"/>
-              </a:spcBef>
-            </a:pPr>
-            <a:r>
-              <a:rPr lang="zh-TW"/>
-              <a:t>實驗檢查項目</a:t>
-            </a:r>
-          </a:p>
-          <a:p>
-            <a:pPr marL="914400" lvl="1" indent="-228600" rtl="0">
-              <a:spcBef>
-                <a:spcPts val="0"/>
-              </a:spcBef>
-            </a:pPr>
-            <a:r>
-              <a:rPr lang="zh-TW"/>
-              <a:t>猜數字程式</a:t>
-            </a:r>
-          </a:p>
-          <a:p>
-            <a:pPr marL="1371600" lvl="2" indent="-228600" rtl="0">
-              <a:spcBef>
-                <a:spcPts val="0"/>
-              </a:spcBef>
-            </a:pPr>
-            <a:r>
-              <a:rPr lang="zh-TW"/>
-              <a:t>生成一隨機數 n，由使用者重複猜數字</a:t>
-            </a:r>
-          </a:p>
-          <a:p>
-            <a:pPr marL="1371600" lvl="2" indent="-228600">
-              <a:spcBef>
-                <a:spcPts val="0"/>
-              </a:spcBef>
-            </a:pPr>
-            <a:r>
-              <a:rPr lang="zh-TW"/>
-              <a:t>程式會給予「大於」或「小於」的提示</a:t>
-            </a:r>
-          </a:p>
-        </p:txBody>
-      </p:sp>
-    </p:spTree>
-  </p:cSld>
-  <p:clrMapOvr>
-    <a:masterClrMapping/>
-  </p:clrMapOvr>
-</p:sld>
-</file>
-
-<file path=ppt/slides/slide5.xml><?xml version="1.0" encoding="utf-8"?>
-<p:sld xmlns:a="http://schemas.openxmlformats.org/drawingml/2006/main" xmlns:r="http://schemas.openxmlformats.org/officeDocument/2006/relationships" xmlns:p="http://schemas.openxmlformats.org/presentationml/2006/main">
-  <p:cSld>
-    <p:spTree>
-      <p:nvGrpSpPr>
-        <p:cNvPr id="1" name="Shape 88"/>
-        <p:cNvGrpSpPr/>
-        <p:nvPr/>
-      </p:nvGrpSpPr>
-      <p:grpSpPr>
-        <a:xfrm>
-          <a:off x="0" y="0"/>
-          <a:ext cx="0" cy="0"/>
-          <a:chOff x="0" y="0"/>
-          <a:chExt cx="0" cy="0"/>
-        </a:xfrm>
-      </p:grpSpPr>
-      <p:sp>
-        <p:nvSpPr>
-          <p:cNvPr id="89" name="Shape 89"/>
-          <p:cNvSpPr txBox="1">
-            <a:spLocks noGrp="1"/>
-          </p:cNvSpPr>
-          <p:nvPr>
-            <p:ph type="title"/>
-          </p:nvPr>
-        </p:nvSpPr>
-        <p:spPr>
-          <a:xfrm>
-            <a:off x="387900" y="458025"/>
-            <a:ext cx="8368200" cy="686100"/>
-          </a:xfrm>
-          <a:prstGeom prst="rect">
-            <a:avLst/>
-          </a:prstGeom>
-        </p:spPr>
-        <p:txBody>
-          <a:bodyPr lIns="91425" tIns="91425" rIns="91425" bIns="91425" anchor="b" anchorCtr="0">
-            <a:noAutofit/>
-          </a:bodyPr>
-          <a:lstStyle/>
-          <a:p>
-            <a:pPr lvl="0">
-              <a:spcBef>
-                <a:spcPts val="0"/>
-              </a:spcBef>
-              <a:buNone/>
-            </a:pPr>
-            <a:r>
-              <a:rPr lang="zh-TW" dirty="0"/>
-              <a:t>作業一：</a:t>
-            </a:r>
-            <a:r>
-              <a:rPr lang="zh-TW" dirty="0" smtClean="0"/>
-              <a:t>1</a:t>
-            </a:r>
-            <a:r>
-              <a:rPr lang="en-US" altLang="zh-TW" dirty="0" smtClean="0"/>
-              <a:t>8</a:t>
-            </a:r>
-            <a:r>
-              <a:rPr lang="zh-TW" dirty="0" smtClean="0"/>
-              <a:t> </a:t>
-            </a:r>
-            <a:r>
-              <a:rPr lang="zh-TW" dirty="0"/>
-              <a:t>x </a:t>
-            </a:r>
-            <a:r>
-              <a:rPr lang="zh-TW" dirty="0" smtClean="0"/>
-              <a:t>1</a:t>
-            </a:r>
-            <a:r>
-              <a:rPr lang="en-US" altLang="zh-TW" smtClean="0"/>
-              <a:t>8</a:t>
-            </a:r>
-            <a:r>
-              <a:rPr lang="zh-TW" smtClean="0"/>
-              <a:t>乘法表</a:t>
-            </a:r>
-            <a:endParaRPr lang="zh-TW"/>
-          </a:p>
-        </p:txBody>
-      </p:sp>
-      <p:sp>
-        <p:nvSpPr>
-          <p:cNvPr id="90" name="Shape 90"/>
-          <p:cNvSpPr txBox="1">
-            <a:spLocks noGrp="1"/>
-          </p:cNvSpPr>
-          <p:nvPr>
-            <p:ph type="body" idx="1"/>
-          </p:nvPr>
-        </p:nvSpPr>
-        <p:spPr>
-          <a:xfrm>
-            <a:off x="387900" y="1489824"/>
-            <a:ext cx="8368200" cy="3078900"/>
-          </a:xfrm>
-          <a:prstGeom prst="rect">
-            <a:avLst/>
-          </a:prstGeom>
-        </p:spPr>
-        <p:txBody>
-          <a:bodyPr lIns="91425" tIns="91425" rIns="91425" bIns="91425" anchor="t" anchorCtr="0">
-            <a:noAutofit/>
-          </a:bodyPr>
-          <a:lstStyle/>
-          <a:p>
-            <a:pPr marL="457200" lvl="0" indent="-228600" rtl="0">
-              <a:spcBef>
-                <a:spcPts val="0"/>
-              </a:spcBef>
-            </a:pPr>
-            <a:r>
-              <a:rPr lang="zh-TW" dirty="0"/>
-              <a:t>作業內容</a:t>
-            </a:r>
-          </a:p>
-          <a:p>
-            <a:pPr marL="914400" lvl="1" indent="-228600" rtl="0">
-              <a:spcBef>
-                <a:spcPts val="0"/>
-              </a:spcBef>
-            </a:pPr>
-            <a:r>
-              <a:rPr lang="zh-TW" dirty="0"/>
-              <a:t>試實作一程式，利用迴圈輸出 1</a:t>
-            </a:r>
-            <a:r>
-              <a:rPr lang="en-US" altLang="zh-TW" dirty="0"/>
-              <a:t>8</a:t>
-            </a:r>
-            <a:r>
-              <a:rPr lang="zh-TW" dirty="0"/>
-              <a:t> x 1</a:t>
-            </a:r>
-            <a:r>
-              <a:rPr lang="en-US" altLang="zh-TW"/>
-              <a:t>8</a:t>
-            </a:r>
-            <a:r>
-              <a:rPr lang="zh-TW"/>
-              <a:t> </a:t>
-            </a:r>
-            <a:r>
-              <a:rPr lang="zh-TW" dirty="0"/>
-              <a:t>乘法表</a:t>
-            </a:r>
-          </a:p>
-          <a:p>
-            <a:pPr marL="457200" lvl="0" indent="-228600" rtl="0">
-              <a:spcBef>
-                <a:spcPts val="0"/>
-              </a:spcBef>
-            </a:pPr>
-            <a:r>
-              <a:rPr lang="zh-TW" dirty="0"/>
-              <a:t>繳交內容</a:t>
-            </a:r>
-          </a:p>
-          <a:p>
-            <a:pPr marL="914400" lvl="1" indent="-228600">
-              <a:spcBef>
-                <a:spcPts val="0"/>
-              </a:spcBef>
-            </a:pPr>
-            <a:r>
-              <a:rPr lang="zh-TW" dirty="0"/>
-              <a:t>.c 檔</a:t>
-            </a:r>
-          </a:p>
-        </p:txBody>
-      </p:sp>
-    </p:spTree>
-  </p:cSld>
-  <p:clrMapOvr>
-    <a:masterClrMapping/>
-  </p:clrMapOvr>
-</p:sld>
-</file>
-
-<file path=ppt/slides/slide6.xml><?xml version="1.0" encoding="utf-8"?>
-<p:sld xmlns:a="http://schemas.openxmlformats.org/drawingml/2006/main" xmlns:r="http://schemas.openxmlformats.org/officeDocument/2006/relationships" xmlns:p="http://schemas.openxmlformats.org/presentationml/2006/main">
-  <p:cSld>
-    <p:spTree>
-      <p:nvGrpSpPr>
-        <p:cNvPr id="1" name="Shape 94"/>
-        <p:cNvGrpSpPr/>
-        <p:nvPr/>
-      </p:nvGrpSpPr>
-      <p:grpSpPr>
-        <a:xfrm>
-          <a:off x="0" y="0"/>
-          <a:ext cx="0" cy="0"/>
-          <a:chOff x="0" y="0"/>
-          <a:chExt cx="0" cy="0"/>
-        </a:xfrm>
-      </p:grpSpPr>
-      <p:sp>
-        <p:nvSpPr>
-          <p:cNvPr id="95" name="Shape 95"/>
-          <p:cNvSpPr txBox="1">
-            <a:spLocks noGrp="1"/>
-          </p:cNvSpPr>
-          <p:nvPr>
-            <p:ph type="title"/>
-          </p:nvPr>
-        </p:nvSpPr>
-        <p:spPr>
-          <a:xfrm>
-            <a:off x="387900" y="458025"/>
-            <a:ext cx="8368200" cy="686100"/>
-          </a:xfrm>
-          <a:prstGeom prst="rect">
-            <a:avLst/>
-          </a:prstGeom>
-        </p:spPr>
-        <p:txBody>
-          <a:bodyPr lIns="91425" tIns="91425" rIns="91425" bIns="91425" anchor="b" anchorCtr="0">
-            <a:noAutofit/>
-          </a:bodyPr>
-          <a:lstStyle/>
-          <a:p>
-            <a:pPr lvl="0">
-              <a:spcBef>
-                <a:spcPts val="0"/>
-              </a:spcBef>
-              <a:buNone/>
-            </a:pPr>
-            <a:r>
-              <a:rPr lang="zh-TW"/>
-              <a:t>作業二：Uva 10346</a:t>
-            </a:r>
-          </a:p>
-        </p:txBody>
-      </p:sp>
-      <p:sp>
-        <p:nvSpPr>
-          <p:cNvPr id="96" name="Shape 96"/>
-          <p:cNvSpPr txBox="1">
-            <a:spLocks noGrp="1"/>
-          </p:cNvSpPr>
-          <p:nvPr>
-            <p:ph type="body" idx="1"/>
-          </p:nvPr>
-        </p:nvSpPr>
-        <p:spPr>
-          <a:xfrm>
-            <a:off x="387900" y="1489824"/>
-            <a:ext cx="8368200" cy="3078900"/>
-          </a:xfrm>
-          <a:prstGeom prst="rect">
-            <a:avLst/>
-          </a:prstGeom>
-        </p:spPr>
-        <p:txBody>
-          <a:bodyPr lIns="91425" tIns="91425" rIns="91425" bIns="91425" anchor="t" anchorCtr="0">
-            <a:noAutofit/>
-          </a:bodyPr>
-          <a:lstStyle/>
-          <a:p>
-            <a:pPr marL="457200" lvl="0" indent="-228600" rtl="0">
-              <a:spcBef>
-                <a:spcPts val="0"/>
-              </a:spcBef>
-            </a:pPr>
-            <a:r>
-              <a:rPr lang="zh-TW"/>
-              <a:t>作業內容</a:t>
-            </a:r>
-          </a:p>
-          <a:p>
-            <a:pPr marL="914400" lvl="1" indent="-228600" rtl="0">
-              <a:spcBef>
-                <a:spcPts val="0"/>
-              </a:spcBef>
-            </a:pPr>
-            <a:r>
-              <a:rPr lang="zh-TW"/>
-              <a:t>Uva 10346 AC</a:t>
-            </a:r>
-          </a:p>
-          <a:p>
-            <a:pPr marL="457200" lvl="0" indent="-228600" rtl="0">
-              <a:spcBef>
-                <a:spcPts val="0"/>
-              </a:spcBef>
-            </a:pPr>
-            <a:r>
-              <a:rPr lang="zh-TW"/>
-              <a:t>繳交內容</a:t>
-            </a:r>
-          </a:p>
-          <a:p>
-            <a:pPr marL="914400" lvl="1" indent="-228600" rtl="0">
-              <a:spcBef>
-                <a:spcPts val="0"/>
-              </a:spcBef>
-            </a:pPr>
-            <a:r>
-              <a:rPr lang="zh-TW"/>
-              <a:t>.c 檔</a:t>
-            </a:r>
-          </a:p>
-          <a:p>
-            <a:pPr marL="914400" lvl="1" indent="-228600" rtl="0">
-              <a:spcBef>
-                <a:spcPts val="0"/>
-              </a:spcBef>
-            </a:pPr>
-            <a:r>
-              <a:rPr lang="zh-TW"/>
-              <a:t>.pdf 檔</a:t>
-            </a:r>
-          </a:p>
-          <a:p>
-            <a:pPr marL="1371600" lvl="2" indent="-228600" rtl="0">
-              <a:spcBef>
-                <a:spcPts val="0"/>
-              </a:spcBef>
-            </a:pPr>
-            <a:r>
-              <a:rPr lang="zh-TW"/>
-              <a:t>需依照 IEEE 期刊論文格式</a:t>
-            </a:r>
-          </a:p>
-          <a:p>
-            <a:pPr marL="1371600" lvl="2" indent="-228600">
-              <a:spcBef>
-                <a:spcPts val="0"/>
-              </a:spcBef>
-            </a:pPr>
-            <a:r>
-              <a:rPr lang="zh-TW"/>
-              <a:t>請詳述解題思路與解題流程</a:t>
-            </a:r>
-          </a:p>
-        </p:txBody>
-      </p:sp>
-    </p:spTree>
-  </p:cSld>
-  <p:clrMapOvr>
-    <a:masterClrMapping/>
-  </p:clrMapOvr>
+  <p:timing>
+    <p:tnLst>
+      <p:par>
+        <p:cTn id="1" dur="indefinite" restart="never" nodeType="tmRoot"/>
+      </p:par>
+    </p:tnLst>
+  </p:timing>
 </p:sld>
 </file>
 
